--- a/Презентация.pptx
+++ b/Презентация.pptx
@@ -8,12 +8,15 @@
     <p:sldId id="256" r:id="rId2"/>
     <p:sldId id="258" r:id="rId3"/>
     <p:sldId id="257" r:id="rId4"/>
-    <p:sldId id="261" r:id="rId5"/>
-    <p:sldId id="265" r:id="rId6"/>
-    <p:sldId id="263" r:id="rId7"/>
-    <p:sldId id="266" r:id="rId8"/>
-    <p:sldId id="264" r:id="rId9"/>
-    <p:sldId id="267" r:id="rId10"/>
+    <p:sldId id="263" r:id="rId5"/>
+    <p:sldId id="266" r:id="rId6"/>
+    <p:sldId id="261" r:id="rId7"/>
+    <p:sldId id="265" r:id="rId8"/>
+    <p:sldId id="271" r:id="rId9"/>
+    <p:sldId id="268" r:id="rId10"/>
+    <p:sldId id="272" r:id="rId11"/>
+    <p:sldId id="264" r:id="rId12"/>
+    <p:sldId id="267" r:id="rId13"/>
   </p:sldIdLst>
   <p:sldSz cx="12192000" cy="6858000"/>
   <p:notesSz cx="6858000" cy="9144000"/>
@@ -346,7 +349,7 @@
           <a:p>
             <a:fld id="{CC80148D-D1EB-4BAC-A5A7-F424FC95D50D}" type="datetimeFigureOut">
               <a:rPr lang="ru-RU" smtClean="0"/>
-              <a:t>20.04.2020</a:t>
+              <a:t>23.04.2020</a:t>
             </a:fld>
             <a:endParaRPr lang="ru-RU" dirty="0"/>
           </a:p>
@@ -554,7 +557,7 @@
           <a:p>
             <a:fld id="{CC80148D-D1EB-4BAC-A5A7-F424FC95D50D}" type="datetimeFigureOut">
               <a:rPr lang="ru-RU" smtClean="0"/>
-              <a:t>20.04.2020</a:t>
+              <a:t>23.04.2020</a:t>
             </a:fld>
             <a:endParaRPr lang="ru-RU" dirty="0"/>
           </a:p>
@@ -810,7 +813,7 @@
           <a:p>
             <a:fld id="{CC80148D-D1EB-4BAC-A5A7-F424FC95D50D}" type="datetimeFigureOut">
               <a:rPr lang="ru-RU" smtClean="0"/>
-              <a:t>20.04.2020</a:t>
+              <a:t>23.04.2020</a:t>
             </a:fld>
             <a:endParaRPr lang="ru-RU" dirty="0"/>
           </a:p>
@@ -984,7 +987,7 @@
           <a:p>
             <a:fld id="{CC80148D-D1EB-4BAC-A5A7-F424FC95D50D}" type="datetimeFigureOut">
               <a:rPr lang="ru-RU" smtClean="0"/>
-              <a:t>20.04.2020</a:t>
+              <a:t>23.04.2020</a:t>
             </a:fld>
             <a:endParaRPr lang="ru-RU" dirty="0"/>
           </a:p>
@@ -1327,7 +1330,7 @@
           <a:p>
             <a:fld id="{CC80148D-D1EB-4BAC-A5A7-F424FC95D50D}" type="datetimeFigureOut">
               <a:rPr lang="ru-RU" smtClean="0"/>
-              <a:t>20.04.2020</a:t>
+              <a:t>23.04.2020</a:t>
             </a:fld>
             <a:endParaRPr lang="ru-RU" dirty="0"/>
           </a:p>
@@ -1602,7 +1605,7 @@
           <a:p>
             <a:fld id="{CC80148D-D1EB-4BAC-A5A7-F424FC95D50D}" type="datetimeFigureOut">
               <a:rPr lang="ru-RU" smtClean="0"/>
-              <a:t>20.04.2020</a:t>
+              <a:t>23.04.2020</a:t>
             </a:fld>
             <a:endParaRPr lang="ru-RU" dirty="0"/>
           </a:p>
@@ -1981,7 +1984,7 @@
           <a:p>
             <a:fld id="{CC80148D-D1EB-4BAC-A5A7-F424FC95D50D}" type="datetimeFigureOut">
               <a:rPr lang="ru-RU" smtClean="0"/>
-              <a:t>20.04.2020</a:t>
+              <a:t>23.04.2020</a:t>
             </a:fld>
             <a:endParaRPr lang="ru-RU" dirty="0"/>
           </a:p>
@@ -2099,7 +2102,7 @@
           <a:p>
             <a:fld id="{CC80148D-D1EB-4BAC-A5A7-F424FC95D50D}" type="datetimeFigureOut">
               <a:rPr lang="ru-RU" smtClean="0"/>
-              <a:t>20.04.2020</a:t>
+              <a:t>23.04.2020</a:t>
             </a:fld>
             <a:endParaRPr lang="ru-RU" dirty="0"/>
           </a:p>
@@ -2270,7 +2273,7 @@
           <a:p>
             <a:fld id="{CC80148D-D1EB-4BAC-A5A7-F424FC95D50D}" type="datetimeFigureOut">
               <a:rPr lang="ru-RU" smtClean="0"/>
-              <a:t>20.04.2020</a:t>
+              <a:t>23.04.2020</a:t>
             </a:fld>
             <a:endParaRPr lang="ru-RU" dirty="0"/>
           </a:p>
@@ -2624,7 +2627,7 @@
           <a:p>
             <a:fld id="{CC80148D-D1EB-4BAC-A5A7-F424FC95D50D}" type="datetimeFigureOut">
               <a:rPr lang="ru-RU" smtClean="0"/>
-              <a:t>20.04.2020</a:t>
+              <a:t>23.04.2020</a:t>
             </a:fld>
             <a:endParaRPr lang="ru-RU" dirty="0"/>
           </a:p>
@@ -3006,7 +3009,7 @@
           <a:p>
             <a:fld id="{CC80148D-D1EB-4BAC-A5A7-F424FC95D50D}" type="datetimeFigureOut">
               <a:rPr lang="ru-RU" smtClean="0"/>
-              <a:t>20.04.2020</a:t>
+              <a:t>23.04.2020</a:t>
             </a:fld>
             <a:endParaRPr lang="ru-RU" dirty="0"/>
           </a:p>
@@ -3293,7 +3296,7 @@
           <a:p>
             <a:fld id="{CC80148D-D1EB-4BAC-A5A7-F424FC95D50D}" type="datetimeFigureOut">
               <a:rPr lang="ru-RU" smtClean="0"/>
-              <a:t>20.04.2020</a:t>
+              <a:t>23.04.2020</a:t>
             </a:fld>
             <a:endParaRPr lang="ru-RU" dirty="0"/>
           </a:p>
@@ -3932,6 +3935,370 @@
 </p:sld>
 </file>
 
+<file path=ppt/slides/slide10.xml><?xml version="1.0" encoding="utf-8"?>
+<p:sld xmlns:a="http://schemas.openxmlformats.org/drawingml/2006/main" xmlns:r="http://schemas.openxmlformats.org/officeDocument/2006/relationships" xmlns:p="http://schemas.openxmlformats.org/presentationml/2006/main">
+  <p:cSld>
+    <p:spTree>
+      <p:nvGrpSpPr>
+        <p:cNvPr id="1" name=""/>
+        <p:cNvGrpSpPr/>
+        <p:nvPr/>
+      </p:nvGrpSpPr>
+      <p:grpSpPr>
+        <a:xfrm>
+          <a:off x="0" y="0"/>
+          <a:ext cx="0" cy="0"/>
+          <a:chOff x="0" y="0"/>
+          <a:chExt cx="0" cy="0"/>
+        </a:xfrm>
+      </p:grpSpPr>
+      <p:pic>
+        <p:nvPicPr>
+          <p:cNvPr id="3" name="Рисунок 2">
+            <a:extLst>
+              <a:ext uri="{FF2B5EF4-FFF2-40B4-BE49-F238E27FC236}">
+                <a16:creationId xmlns:a16="http://schemas.microsoft.com/office/drawing/2014/main" id="{1C922739-E221-4881-BD70-74A29FE9A15B}"/>
+              </a:ext>
+            </a:extLst>
+          </p:cNvPr>
+          <p:cNvPicPr>
+            <a:picLocks noChangeAspect="1"/>
+          </p:cNvPicPr>
+          <p:nvPr/>
+        </p:nvPicPr>
+        <p:blipFill>
+          <a:blip r:embed="rId2"/>
+          <a:stretch>
+            <a:fillRect/>
+          </a:stretch>
+        </p:blipFill>
+        <p:spPr>
+          <a:xfrm>
+            <a:off x="452762" y="313719"/>
+            <a:ext cx="5547323" cy="2577126"/>
+          </a:xfrm>
+          <a:prstGeom prst="rect">
+            <a:avLst/>
+          </a:prstGeom>
+        </p:spPr>
+      </p:pic>
+      <p:pic>
+        <p:nvPicPr>
+          <p:cNvPr id="4" name="Рисунок 3">
+            <a:extLst>
+              <a:ext uri="{FF2B5EF4-FFF2-40B4-BE49-F238E27FC236}">
+                <a16:creationId xmlns:a16="http://schemas.microsoft.com/office/drawing/2014/main" id="{884D1811-18DF-4D6B-9B35-728C3FE2852C}"/>
+              </a:ext>
+            </a:extLst>
+          </p:cNvPr>
+          <p:cNvPicPr>
+            <a:picLocks noChangeAspect="1"/>
+          </p:cNvPicPr>
+          <p:nvPr/>
+        </p:nvPicPr>
+        <p:blipFill>
+          <a:blip r:embed="rId3"/>
+          <a:stretch>
+            <a:fillRect/>
+          </a:stretch>
+        </p:blipFill>
+        <p:spPr>
+          <a:xfrm>
+            <a:off x="452762" y="3306866"/>
+            <a:ext cx="4217105" cy="2847280"/>
+          </a:xfrm>
+          <a:prstGeom prst="rect">
+            <a:avLst/>
+          </a:prstGeom>
+        </p:spPr>
+      </p:pic>
+      <p:pic>
+        <p:nvPicPr>
+          <p:cNvPr id="5" name="Рисунок 4">
+            <a:extLst>
+              <a:ext uri="{FF2B5EF4-FFF2-40B4-BE49-F238E27FC236}">
+                <a16:creationId xmlns:a16="http://schemas.microsoft.com/office/drawing/2014/main" id="{7A781096-0722-4B14-84C2-5F47D3E4A143}"/>
+              </a:ext>
+            </a:extLst>
+          </p:cNvPr>
+          <p:cNvPicPr>
+            <a:picLocks noChangeAspect="1"/>
+          </p:cNvPicPr>
+          <p:nvPr/>
+        </p:nvPicPr>
+        <p:blipFill>
+          <a:blip r:embed="rId4"/>
+          <a:stretch>
+            <a:fillRect/>
+          </a:stretch>
+        </p:blipFill>
+        <p:spPr>
+          <a:xfrm>
+            <a:off x="4834229" y="2884119"/>
+            <a:ext cx="3342104" cy="3270027"/>
+          </a:xfrm>
+          <a:prstGeom prst="rect">
+            <a:avLst/>
+          </a:prstGeom>
+        </p:spPr>
+      </p:pic>
+      <p:pic>
+        <p:nvPicPr>
+          <p:cNvPr id="6" name="Рисунок 5">
+            <a:extLst>
+              <a:ext uri="{FF2B5EF4-FFF2-40B4-BE49-F238E27FC236}">
+                <a16:creationId xmlns:a16="http://schemas.microsoft.com/office/drawing/2014/main" id="{6A82B56C-4024-464E-A71E-FA67743B4E2E}"/>
+              </a:ext>
+            </a:extLst>
+          </p:cNvPr>
+          <p:cNvPicPr>
+            <a:picLocks noChangeAspect="1"/>
+          </p:cNvPicPr>
+          <p:nvPr/>
+        </p:nvPicPr>
+        <p:blipFill>
+          <a:blip r:embed="rId5"/>
+          <a:stretch>
+            <a:fillRect/>
+          </a:stretch>
+        </p:blipFill>
+        <p:spPr>
+          <a:xfrm>
+            <a:off x="8375501" y="1277533"/>
+            <a:ext cx="3227614" cy="4732056"/>
+          </a:xfrm>
+          <a:prstGeom prst="rect">
+            <a:avLst/>
+          </a:prstGeom>
+        </p:spPr>
+      </p:pic>
+      <p:sp>
+        <p:nvSpPr>
+          <p:cNvPr id="7" name="TextBox 6">
+            <a:extLst>
+              <a:ext uri="{FF2B5EF4-FFF2-40B4-BE49-F238E27FC236}">
+                <a16:creationId xmlns:a16="http://schemas.microsoft.com/office/drawing/2014/main" id="{BABCC0BD-739D-4C2A-9C68-9E8F8733FBA5}"/>
+              </a:ext>
+            </a:extLst>
+          </p:cNvPr>
+          <p:cNvSpPr txBox="1"/>
+          <p:nvPr/>
+        </p:nvSpPr>
+        <p:spPr>
+          <a:xfrm>
+            <a:off x="6191917" y="313719"/>
+            <a:ext cx="5890592" cy="461665"/>
+          </a:xfrm>
+          <a:prstGeom prst="rect">
+            <a:avLst/>
+          </a:prstGeom>
+          <a:noFill/>
+        </p:spPr>
+        <p:txBody>
+          <a:bodyPr wrap="square" rtlCol="0">
+            <a:spAutoFit/>
+          </a:bodyPr>
+          <a:lstStyle/>
+          <a:p>
+            <a:r>
+              <a:rPr lang="ru-RU" sz="2400" dirty="0">
+                <a:latin typeface="+mj-lt"/>
+              </a:rPr>
+              <a:t>Сайт сам адаптируется под ширину экрана.</a:t>
+            </a:r>
+          </a:p>
+        </p:txBody>
+      </p:sp>
+    </p:spTree>
+    <p:extLst>
+      <p:ext uri="{BB962C8B-B14F-4D97-AF65-F5344CB8AC3E}">
+        <p14:creationId xmlns:p14="http://schemas.microsoft.com/office/powerpoint/2010/main" val="772650703"/>
+      </p:ext>
+    </p:extLst>
+  </p:cSld>
+  <p:clrMapOvr>
+    <a:masterClrMapping/>
+  </p:clrMapOvr>
+</p:sld>
+</file>
+
+<file path=ppt/slides/slide11.xml><?xml version="1.0" encoding="utf-8"?>
+<p:sld xmlns:a="http://schemas.openxmlformats.org/drawingml/2006/main" xmlns:r="http://schemas.openxmlformats.org/officeDocument/2006/relationships" xmlns:p="http://schemas.openxmlformats.org/presentationml/2006/main">
+  <p:cSld>
+    <p:spTree>
+      <p:nvGrpSpPr>
+        <p:cNvPr id="1" name=""/>
+        <p:cNvGrpSpPr/>
+        <p:nvPr/>
+      </p:nvGrpSpPr>
+      <p:grpSpPr>
+        <a:xfrm>
+          <a:off x="0" y="0"/>
+          <a:ext cx="0" cy="0"/>
+          <a:chOff x="0" y="0"/>
+          <a:chExt cx="0" cy="0"/>
+        </a:xfrm>
+      </p:grpSpPr>
+      <p:sp>
+        <p:nvSpPr>
+          <p:cNvPr id="2" name="Заголовок 1">
+            <a:extLst>
+              <a:ext uri="{FF2B5EF4-FFF2-40B4-BE49-F238E27FC236}">
+                <a16:creationId xmlns:a16="http://schemas.microsoft.com/office/drawing/2014/main" id="{128DB63B-2EE2-4C3B-A0C8-067E2348EF64}"/>
+              </a:ext>
+            </a:extLst>
+          </p:cNvPr>
+          <p:cNvSpPr>
+            <a:spLocks noGrp="1"/>
+          </p:cNvSpPr>
+          <p:nvPr>
+            <p:ph type="title"/>
+          </p:nvPr>
+        </p:nvSpPr>
+        <p:spPr>
+          <a:xfrm>
+            <a:off x="1097280" y="286604"/>
+            <a:ext cx="10058400" cy="1285022"/>
+          </a:xfrm>
+        </p:spPr>
+        <p:txBody>
+          <a:bodyPr/>
+          <a:lstStyle/>
+          <a:p>
+            <a:r>
+              <a:rPr lang="ru-RU" dirty="0">
+                <a:solidFill>
+                  <a:schemeClr val="tx1"/>
+                </a:solidFill>
+              </a:rPr>
+              <a:t>Вывод</a:t>
+            </a:r>
+          </a:p>
+        </p:txBody>
+      </p:sp>
+      <p:sp>
+        <p:nvSpPr>
+          <p:cNvPr id="3" name="Объект 2">
+            <a:extLst>
+              <a:ext uri="{FF2B5EF4-FFF2-40B4-BE49-F238E27FC236}">
+                <a16:creationId xmlns:a16="http://schemas.microsoft.com/office/drawing/2014/main" id="{CCCA20B8-E6E6-4DE5-B909-D74DFC15F477}"/>
+              </a:ext>
+            </a:extLst>
+          </p:cNvPr>
+          <p:cNvSpPr>
+            <a:spLocks noGrp="1"/>
+          </p:cNvSpPr>
+          <p:nvPr>
+            <p:ph idx="1"/>
+          </p:nvPr>
+        </p:nvSpPr>
+        <p:spPr/>
+        <p:txBody>
+          <a:bodyPr>
+            <a:normAutofit/>
+          </a:bodyPr>
+          <a:lstStyle/>
+          <a:p>
+            <a:r>
+              <a:rPr lang="ru-RU" sz="3600" dirty="0">
+                <a:solidFill>
+                  <a:schemeClr val="tx1"/>
+                </a:solidFill>
+                <a:latin typeface="+mj-lt"/>
+              </a:rPr>
+              <a:t>Создан сайт для поиска быстрой работы.</a:t>
+            </a:r>
+          </a:p>
+          <a:p>
+            <a:r>
+              <a:rPr lang="ru-RU" sz="3600" dirty="0">
+                <a:solidFill>
+                  <a:schemeClr val="tx1"/>
+                </a:solidFill>
+                <a:latin typeface="+mj-lt"/>
+              </a:rPr>
+              <a:t>В качестве доработки можно добавить больше возможностей.</a:t>
+            </a:r>
+          </a:p>
+        </p:txBody>
+      </p:sp>
+    </p:spTree>
+    <p:extLst>
+      <p:ext uri="{BB962C8B-B14F-4D97-AF65-F5344CB8AC3E}">
+        <p14:creationId xmlns:p14="http://schemas.microsoft.com/office/powerpoint/2010/main" val="3313668895"/>
+      </p:ext>
+    </p:extLst>
+  </p:cSld>
+  <p:clrMapOvr>
+    <a:masterClrMapping/>
+  </p:clrMapOvr>
+</p:sld>
+</file>
+
+<file path=ppt/slides/slide12.xml><?xml version="1.0" encoding="utf-8"?>
+<p:sld xmlns:a="http://schemas.openxmlformats.org/drawingml/2006/main" xmlns:r="http://schemas.openxmlformats.org/officeDocument/2006/relationships" xmlns:p="http://schemas.openxmlformats.org/presentationml/2006/main">
+  <p:cSld>
+    <p:spTree>
+      <p:nvGrpSpPr>
+        <p:cNvPr id="1" name=""/>
+        <p:cNvGrpSpPr/>
+        <p:nvPr/>
+      </p:nvGrpSpPr>
+      <p:grpSpPr>
+        <a:xfrm>
+          <a:off x="0" y="0"/>
+          <a:ext cx="0" cy="0"/>
+          <a:chOff x="0" y="0"/>
+          <a:chExt cx="0" cy="0"/>
+        </a:xfrm>
+      </p:grpSpPr>
+      <p:sp>
+        <p:nvSpPr>
+          <p:cNvPr id="2" name="Заголовок 1">
+            <a:extLst>
+              <a:ext uri="{FF2B5EF4-FFF2-40B4-BE49-F238E27FC236}">
+                <a16:creationId xmlns:a16="http://schemas.microsoft.com/office/drawing/2014/main" id="{F7CEEFC0-E4DD-4A71-8BB5-EB84214AD545}"/>
+              </a:ext>
+            </a:extLst>
+          </p:cNvPr>
+          <p:cNvSpPr>
+            <a:spLocks noGrp="1"/>
+          </p:cNvSpPr>
+          <p:nvPr>
+            <p:ph type="title" idx="4294967295"/>
+          </p:nvPr>
+        </p:nvSpPr>
+        <p:spPr>
+          <a:xfrm>
+            <a:off x="1066800" y="1819506"/>
+            <a:ext cx="10058400" cy="1304925"/>
+          </a:xfrm>
+        </p:spPr>
+        <p:txBody>
+          <a:bodyPr/>
+          <a:lstStyle/>
+          <a:p>
+            <a:pPr algn="ctr"/>
+            <a:r>
+              <a:rPr lang="ru-RU" dirty="0"/>
+              <a:t>Спасибо за внимание!</a:t>
+            </a:r>
+          </a:p>
+        </p:txBody>
+      </p:sp>
+    </p:spTree>
+    <p:extLst>
+      <p:ext uri="{BB962C8B-B14F-4D97-AF65-F5344CB8AC3E}">
+        <p14:creationId xmlns:p14="http://schemas.microsoft.com/office/powerpoint/2010/main" val="2172618066"/>
+      </p:ext>
+    </p:extLst>
+  </p:cSld>
+  <p:clrMapOvr>
+    <a:masterClrMapping/>
+  </p:clrMapOvr>
+</p:sld>
+</file>
+
 <file path=ppt/slides/slide2.xml><?xml version="1.0" encoding="utf-8"?>
 <p:sld xmlns:a="http://schemas.openxmlformats.org/drawingml/2006/main" xmlns:r="http://schemas.openxmlformats.org/officeDocument/2006/relationships" xmlns:p="http://schemas.openxmlformats.org/presentationml/2006/main">
   <p:cSld>
@@ -4461,1151 +4828,6 @@
       </p:grpSpPr>
       <p:sp>
         <p:nvSpPr>
-          <p:cNvPr id="7" name="Прямоугольник 6">
-            <a:extLst>
-              <a:ext uri="{FF2B5EF4-FFF2-40B4-BE49-F238E27FC236}">
-                <a16:creationId xmlns:a16="http://schemas.microsoft.com/office/drawing/2014/main" id="{ECC4E88A-FB04-46D7-8D00-572579777545}"/>
-              </a:ext>
-            </a:extLst>
-          </p:cNvPr>
-          <p:cNvSpPr/>
-          <p:nvPr/>
-        </p:nvSpPr>
-        <p:spPr>
-          <a:xfrm>
-            <a:off x="899568" y="2056808"/>
-            <a:ext cx="2885997" cy="797510"/>
-          </a:xfrm>
-          <a:prstGeom prst="rect">
-            <a:avLst/>
-          </a:prstGeom>
-        </p:spPr>
-        <p:style>
-          <a:lnRef idx="1">
-            <a:schemeClr val="accent1"/>
-          </a:lnRef>
-          <a:fillRef idx="2">
-            <a:schemeClr val="accent1"/>
-          </a:fillRef>
-          <a:effectRef idx="1">
-            <a:schemeClr val="accent1"/>
-          </a:effectRef>
-          <a:fontRef idx="minor">
-            <a:schemeClr val="dk1"/>
-          </a:fontRef>
-        </p:style>
-        <p:txBody>
-          <a:bodyPr rtlCol="0" anchor="ctr"/>
-          <a:lstStyle/>
-          <a:p>
-            <a:pPr algn="ctr"/>
-            <a:r>
-              <a:rPr lang="ru-RU" dirty="0"/>
-              <a:t>Зарегистрироваться/войти</a:t>
-            </a:r>
-          </a:p>
-        </p:txBody>
-      </p:sp>
-      <p:sp>
-        <p:nvSpPr>
-          <p:cNvPr id="8" name="Прямоугольник 7">
-            <a:extLst>
-              <a:ext uri="{FF2B5EF4-FFF2-40B4-BE49-F238E27FC236}">
-                <a16:creationId xmlns:a16="http://schemas.microsoft.com/office/drawing/2014/main" id="{5458A97B-684F-4443-B829-3AF0B23A5205}"/>
-              </a:ext>
-            </a:extLst>
-          </p:cNvPr>
-          <p:cNvSpPr/>
-          <p:nvPr/>
-        </p:nvSpPr>
-        <p:spPr>
-          <a:xfrm>
-            <a:off x="5854887" y="5174568"/>
-            <a:ext cx="3080702" cy="1092344"/>
-          </a:xfrm>
-          <a:prstGeom prst="rect">
-            <a:avLst/>
-          </a:prstGeom>
-        </p:spPr>
-        <p:style>
-          <a:lnRef idx="1">
-            <a:schemeClr val="accent1"/>
-          </a:lnRef>
-          <a:fillRef idx="2">
-            <a:schemeClr val="accent1"/>
-          </a:fillRef>
-          <a:effectRef idx="1">
-            <a:schemeClr val="accent1"/>
-          </a:effectRef>
-          <a:fontRef idx="minor">
-            <a:schemeClr val="dk1"/>
-          </a:fontRef>
-        </p:style>
-        <p:txBody>
-          <a:bodyPr rtlCol="0" anchor="ctr"/>
-          <a:lstStyle/>
-          <a:p>
-            <a:pPr algn="ctr"/>
-            <a:r>
-              <a:rPr lang="ru-RU" dirty="0"/>
-              <a:t>Получать сообщение в </a:t>
-            </a:r>
-            <a:r>
-              <a:rPr lang="ru-RU" dirty="0" err="1"/>
-              <a:t>vk</a:t>
-            </a:r>
-            <a:r>
-              <a:rPr lang="ru-RU" dirty="0"/>
-              <a:t> о состоянии работы и аккаунта</a:t>
-            </a:r>
-          </a:p>
-        </p:txBody>
-      </p:sp>
-      <p:sp>
-        <p:nvSpPr>
-          <p:cNvPr id="9" name="Прямоугольник 8">
-            <a:extLst>
-              <a:ext uri="{FF2B5EF4-FFF2-40B4-BE49-F238E27FC236}">
-                <a16:creationId xmlns:a16="http://schemas.microsoft.com/office/drawing/2014/main" id="{54B96E95-9605-446A-8D10-F512CCF8BBB6}"/>
-              </a:ext>
-            </a:extLst>
-          </p:cNvPr>
-          <p:cNvSpPr/>
-          <p:nvPr/>
-        </p:nvSpPr>
-        <p:spPr>
-          <a:xfrm>
-            <a:off x="4533527" y="4192242"/>
-            <a:ext cx="2475517" cy="539556"/>
-          </a:xfrm>
-          <a:prstGeom prst="rect">
-            <a:avLst/>
-          </a:prstGeom>
-        </p:spPr>
-        <p:style>
-          <a:lnRef idx="1">
-            <a:schemeClr val="accent1"/>
-          </a:lnRef>
-          <a:fillRef idx="2">
-            <a:schemeClr val="accent1"/>
-          </a:fillRef>
-          <a:effectRef idx="1">
-            <a:schemeClr val="accent1"/>
-          </a:effectRef>
-          <a:fontRef idx="minor">
-            <a:schemeClr val="dk1"/>
-          </a:fontRef>
-        </p:style>
-        <p:txBody>
-          <a:bodyPr rtlCol="0" anchor="ctr"/>
-          <a:lstStyle/>
-          <a:p>
-            <a:pPr algn="ctr"/>
-            <a:r>
-              <a:rPr lang="ru-RU" dirty="0"/>
-              <a:t>Удалить работу</a:t>
-            </a:r>
-          </a:p>
-        </p:txBody>
-      </p:sp>
-      <p:sp>
-        <p:nvSpPr>
-          <p:cNvPr id="10" name="Прямоугольник 9">
-            <a:extLst>
-              <a:ext uri="{FF2B5EF4-FFF2-40B4-BE49-F238E27FC236}">
-                <a16:creationId xmlns:a16="http://schemas.microsoft.com/office/drawing/2014/main" id="{E5367985-6B15-4C0C-91E3-D8360900B230}"/>
-              </a:ext>
-            </a:extLst>
-          </p:cNvPr>
-          <p:cNvSpPr/>
-          <p:nvPr/>
-        </p:nvSpPr>
-        <p:spPr>
-          <a:xfrm>
-            <a:off x="4527609" y="3446587"/>
-            <a:ext cx="2475517" cy="539556"/>
-          </a:xfrm>
-          <a:prstGeom prst="rect">
-            <a:avLst/>
-          </a:prstGeom>
-        </p:spPr>
-        <p:style>
-          <a:lnRef idx="1">
-            <a:schemeClr val="accent1"/>
-          </a:lnRef>
-          <a:fillRef idx="2">
-            <a:schemeClr val="accent1"/>
-          </a:fillRef>
-          <a:effectRef idx="1">
-            <a:schemeClr val="accent1"/>
-          </a:effectRef>
-          <a:fontRef idx="minor">
-            <a:schemeClr val="dk1"/>
-          </a:fontRef>
-        </p:style>
-        <p:txBody>
-          <a:bodyPr rtlCol="0" anchor="ctr"/>
-          <a:lstStyle/>
-          <a:p>
-            <a:pPr algn="ctr"/>
-            <a:r>
-              <a:rPr lang="ru-RU" dirty="0"/>
-              <a:t>Изменить работу</a:t>
-            </a:r>
-          </a:p>
-        </p:txBody>
-      </p:sp>
-      <p:sp>
-        <p:nvSpPr>
-          <p:cNvPr id="11" name="Прямоугольник 10">
-            <a:extLst>
-              <a:ext uri="{FF2B5EF4-FFF2-40B4-BE49-F238E27FC236}">
-                <a16:creationId xmlns:a16="http://schemas.microsoft.com/office/drawing/2014/main" id="{A9FC7909-C960-4B27-9B4C-BBC6BC666402}"/>
-              </a:ext>
-            </a:extLst>
-          </p:cNvPr>
-          <p:cNvSpPr/>
-          <p:nvPr/>
-        </p:nvSpPr>
-        <p:spPr>
-          <a:xfrm>
-            <a:off x="4527611" y="2740906"/>
-            <a:ext cx="2475517" cy="539556"/>
-          </a:xfrm>
-          <a:prstGeom prst="rect">
-            <a:avLst/>
-          </a:prstGeom>
-        </p:spPr>
-        <p:style>
-          <a:lnRef idx="1">
-            <a:schemeClr val="accent1"/>
-          </a:lnRef>
-          <a:fillRef idx="2">
-            <a:schemeClr val="accent1"/>
-          </a:fillRef>
-          <a:effectRef idx="1">
-            <a:schemeClr val="accent1"/>
-          </a:effectRef>
-          <a:fontRef idx="minor">
-            <a:schemeClr val="dk1"/>
-          </a:fontRef>
-        </p:style>
-        <p:txBody>
-          <a:bodyPr rtlCol="0" anchor="ctr"/>
-          <a:lstStyle/>
-          <a:p>
-            <a:pPr algn="ctr"/>
-            <a:r>
-              <a:rPr lang="ru-RU" dirty="0"/>
-              <a:t>Добавить работу</a:t>
-            </a:r>
-          </a:p>
-        </p:txBody>
-      </p:sp>
-      <p:sp>
-        <p:nvSpPr>
-          <p:cNvPr id="12" name="Прямоугольник 11">
-            <a:extLst>
-              <a:ext uri="{FF2B5EF4-FFF2-40B4-BE49-F238E27FC236}">
-                <a16:creationId xmlns:a16="http://schemas.microsoft.com/office/drawing/2014/main" id="{12915997-0327-4162-9719-3E8B216ECE10}"/>
-              </a:ext>
-            </a:extLst>
-          </p:cNvPr>
-          <p:cNvSpPr/>
-          <p:nvPr/>
-        </p:nvSpPr>
-        <p:spPr>
-          <a:xfrm>
-            <a:off x="7982077" y="3373318"/>
-            <a:ext cx="2778710" cy="585365"/>
-          </a:xfrm>
-          <a:prstGeom prst="rect">
-            <a:avLst/>
-          </a:prstGeom>
-        </p:spPr>
-        <p:style>
-          <a:lnRef idx="1">
-            <a:schemeClr val="accent1"/>
-          </a:lnRef>
-          <a:fillRef idx="2">
-            <a:schemeClr val="accent1"/>
-          </a:fillRef>
-          <a:effectRef idx="1">
-            <a:schemeClr val="accent1"/>
-          </a:effectRef>
-          <a:fontRef idx="minor">
-            <a:schemeClr val="dk1"/>
-          </a:fontRef>
-        </p:style>
-        <p:txBody>
-          <a:bodyPr rtlCol="0" anchor="ctr"/>
-          <a:lstStyle/>
-          <a:p>
-            <a:pPr algn="ctr"/>
-            <a:r>
-              <a:rPr lang="ru-RU" dirty="0"/>
-              <a:t>Отказаться от работы</a:t>
-            </a:r>
-          </a:p>
-        </p:txBody>
-      </p:sp>
-      <p:sp>
-        <p:nvSpPr>
-          <p:cNvPr id="13" name="Прямоугольник 12">
-            <a:extLst>
-              <a:ext uri="{FF2B5EF4-FFF2-40B4-BE49-F238E27FC236}">
-                <a16:creationId xmlns:a16="http://schemas.microsoft.com/office/drawing/2014/main" id="{F3D84ADB-BAB3-450B-A6FB-D0C3D74C614F}"/>
-              </a:ext>
-            </a:extLst>
-          </p:cNvPr>
-          <p:cNvSpPr/>
-          <p:nvPr/>
-        </p:nvSpPr>
-        <p:spPr>
-          <a:xfrm>
-            <a:off x="7982077" y="4187073"/>
-            <a:ext cx="2778710" cy="585366"/>
-          </a:xfrm>
-          <a:prstGeom prst="rect">
-            <a:avLst/>
-          </a:prstGeom>
-        </p:spPr>
-        <p:style>
-          <a:lnRef idx="1">
-            <a:schemeClr val="accent1"/>
-          </a:lnRef>
-          <a:fillRef idx="2">
-            <a:schemeClr val="accent1"/>
-          </a:fillRef>
-          <a:effectRef idx="1">
-            <a:schemeClr val="accent1"/>
-          </a:effectRef>
-          <a:fontRef idx="minor">
-            <a:schemeClr val="dk1"/>
-          </a:fontRef>
-        </p:style>
-        <p:txBody>
-          <a:bodyPr rtlCol="0" anchor="ctr"/>
-          <a:lstStyle/>
-          <a:p>
-            <a:pPr algn="ctr"/>
-            <a:r>
-              <a:rPr lang="ru-RU" dirty="0"/>
-              <a:t>Взяться за работу</a:t>
-            </a:r>
-          </a:p>
-        </p:txBody>
-      </p:sp>
-      <p:sp>
-        <p:nvSpPr>
-          <p:cNvPr id="14" name="Прямоугольник 13">
-            <a:extLst>
-              <a:ext uri="{FF2B5EF4-FFF2-40B4-BE49-F238E27FC236}">
-                <a16:creationId xmlns:a16="http://schemas.microsoft.com/office/drawing/2014/main" id="{BCEEB99A-A91B-48A5-9308-5E50D939F0C9}"/>
-              </a:ext>
-            </a:extLst>
-          </p:cNvPr>
-          <p:cNvSpPr/>
-          <p:nvPr/>
-        </p:nvSpPr>
-        <p:spPr>
-          <a:xfrm>
-            <a:off x="877442" y="5412267"/>
-            <a:ext cx="2908122" cy="797509"/>
-          </a:xfrm>
-          <a:prstGeom prst="rect">
-            <a:avLst/>
-          </a:prstGeom>
-        </p:spPr>
-        <p:style>
-          <a:lnRef idx="1">
-            <a:schemeClr val="accent1"/>
-          </a:lnRef>
-          <a:fillRef idx="2">
-            <a:schemeClr val="accent1"/>
-          </a:fillRef>
-          <a:effectRef idx="1">
-            <a:schemeClr val="accent1"/>
-          </a:effectRef>
-          <a:fontRef idx="minor">
-            <a:schemeClr val="dk1"/>
-          </a:fontRef>
-        </p:style>
-        <p:txBody>
-          <a:bodyPr rtlCol="0" anchor="ctr"/>
-          <a:lstStyle/>
-          <a:p>
-            <a:pPr algn="ctr"/>
-            <a:r>
-              <a:rPr lang="ru-RU"/>
-              <a:t>Найти ближайшую работу</a:t>
-            </a:r>
-            <a:endParaRPr lang="ru-RU" dirty="0"/>
-          </a:p>
-        </p:txBody>
-      </p:sp>
-      <p:sp>
-        <p:nvSpPr>
-          <p:cNvPr id="15" name="Прямоугольник 14">
-            <a:extLst>
-              <a:ext uri="{FF2B5EF4-FFF2-40B4-BE49-F238E27FC236}">
-                <a16:creationId xmlns:a16="http://schemas.microsoft.com/office/drawing/2014/main" id="{1247D06E-B5A0-442E-AA71-395BEEBDCD6D}"/>
-              </a:ext>
-            </a:extLst>
-          </p:cNvPr>
-          <p:cNvSpPr/>
-          <p:nvPr/>
-        </p:nvSpPr>
-        <p:spPr>
-          <a:xfrm>
-            <a:off x="899568" y="4332450"/>
-            <a:ext cx="2885996" cy="804314"/>
-          </a:xfrm>
-          <a:prstGeom prst="rect">
-            <a:avLst/>
-          </a:prstGeom>
-        </p:spPr>
-        <p:style>
-          <a:lnRef idx="1">
-            <a:schemeClr val="accent1"/>
-          </a:lnRef>
-          <a:fillRef idx="2">
-            <a:schemeClr val="accent1"/>
-          </a:fillRef>
-          <a:effectRef idx="1">
-            <a:schemeClr val="accent1"/>
-          </a:effectRef>
-          <a:fontRef idx="minor">
-            <a:schemeClr val="dk1"/>
-          </a:fontRef>
-        </p:style>
-        <p:txBody>
-          <a:bodyPr rtlCol="0" anchor="ctr"/>
-          <a:lstStyle/>
-          <a:p>
-            <a:pPr algn="ctr"/>
-            <a:r>
-              <a:rPr lang="ru-RU" dirty="0"/>
-              <a:t>Отсортировать услуги</a:t>
-            </a:r>
-          </a:p>
-        </p:txBody>
-      </p:sp>
-      <p:sp>
-        <p:nvSpPr>
-          <p:cNvPr id="16" name="Прямоугольник 15">
-            <a:extLst>
-              <a:ext uri="{FF2B5EF4-FFF2-40B4-BE49-F238E27FC236}">
-                <a16:creationId xmlns:a16="http://schemas.microsoft.com/office/drawing/2014/main" id="{6D77003D-F460-4351-AE20-A13D21520388}"/>
-              </a:ext>
-            </a:extLst>
-          </p:cNvPr>
-          <p:cNvSpPr/>
-          <p:nvPr/>
-        </p:nvSpPr>
-        <p:spPr>
-          <a:xfrm>
-            <a:off x="899569" y="3194628"/>
-            <a:ext cx="2885996" cy="797511"/>
-          </a:xfrm>
-          <a:prstGeom prst="rect">
-            <a:avLst/>
-          </a:prstGeom>
-        </p:spPr>
-        <p:style>
-          <a:lnRef idx="1">
-            <a:schemeClr val="accent1"/>
-          </a:lnRef>
-          <a:fillRef idx="2">
-            <a:schemeClr val="accent1"/>
-          </a:fillRef>
-          <a:effectRef idx="1">
-            <a:schemeClr val="accent1"/>
-          </a:effectRef>
-          <a:fontRef idx="minor">
-            <a:schemeClr val="dk1"/>
-          </a:fontRef>
-        </p:style>
-        <p:txBody>
-          <a:bodyPr rtlCol="0" anchor="ctr"/>
-          <a:lstStyle/>
-          <a:p>
-            <a:pPr algn="ctr"/>
-            <a:r>
-              <a:rPr lang="ru-RU" dirty="0"/>
-              <a:t>Просмотреть список услуг</a:t>
-            </a:r>
-          </a:p>
-        </p:txBody>
-      </p:sp>
-      <p:sp>
-        <p:nvSpPr>
-          <p:cNvPr id="17" name="Прямоугольник 16">
-            <a:extLst>
-              <a:ext uri="{FF2B5EF4-FFF2-40B4-BE49-F238E27FC236}">
-                <a16:creationId xmlns:a16="http://schemas.microsoft.com/office/drawing/2014/main" id="{8A1AFC5F-086C-4C3F-95A2-65835B6F0F47}"/>
-              </a:ext>
-            </a:extLst>
-          </p:cNvPr>
-          <p:cNvSpPr/>
-          <p:nvPr/>
-        </p:nvSpPr>
-        <p:spPr>
-          <a:xfrm>
-            <a:off x="4080769" y="179874"/>
-            <a:ext cx="4030462" cy="1092344"/>
-          </a:xfrm>
-          <a:prstGeom prst="rect">
-            <a:avLst/>
-          </a:prstGeom>
-        </p:spPr>
-        <p:style>
-          <a:lnRef idx="2">
-            <a:schemeClr val="accent6"/>
-          </a:lnRef>
-          <a:fillRef idx="1">
-            <a:schemeClr val="lt1"/>
-          </a:fillRef>
-          <a:effectRef idx="0">
-            <a:schemeClr val="accent6"/>
-          </a:effectRef>
-          <a:fontRef idx="minor">
-            <a:schemeClr val="dk1"/>
-          </a:fontRef>
-        </p:style>
-        <p:txBody>
-          <a:bodyPr rtlCol="0" anchor="ctr"/>
-          <a:lstStyle/>
-          <a:p>
-            <a:pPr algn="ctr"/>
-            <a:r>
-              <a:rPr lang="ru-RU" sz="4800" b="1" dirty="0">
-                <a:ln w="22225">
-                  <a:solidFill>
-                    <a:schemeClr val="accent2"/>
-                  </a:solidFill>
-                  <a:prstDash val="solid"/>
-                </a:ln>
-                <a:solidFill>
-                  <a:schemeClr val="accent2">
-                    <a:lumMod val="40000"/>
-                    <a:lumOff val="60000"/>
-                  </a:schemeClr>
-                </a:solidFill>
-              </a:rPr>
-              <a:t>Функционал</a:t>
-            </a:r>
-          </a:p>
-        </p:txBody>
-      </p:sp>
-      <p:cxnSp>
-        <p:nvCxnSpPr>
-          <p:cNvPr id="35" name="Соединитель: уступ 34">
-            <a:extLst>
-              <a:ext uri="{FF2B5EF4-FFF2-40B4-BE49-F238E27FC236}">
-                <a16:creationId xmlns:a16="http://schemas.microsoft.com/office/drawing/2014/main" id="{C2E52EBD-0718-4124-B737-268D501E1DAF}"/>
-              </a:ext>
-            </a:extLst>
-          </p:cNvPr>
-          <p:cNvCxnSpPr>
-            <a:stCxn id="17" idx="2"/>
-            <a:endCxn id="14" idx="1"/>
-          </p:cNvCxnSpPr>
-          <p:nvPr/>
-        </p:nvCxnSpPr>
-        <p:spPr>
-          <a:xfrm rot="5400000">
-            <a:off x="1217319" y="932341"/>
-            <a:ext cx="4538804" cy="5218558"/>
-          </a:xfrm>
-          <a:prstGeom prst="bentConnector4">
-            <a:avLst>
-              <a:gd name="adj1" fmla="val 7662"/>
-              <a:gd name="adj2" fmla="val 111526"/>
-            </a:avLst>
-          </a:prstGeom>
-        </p:spPr>
-        <p:style>
-          <a:lnRef idx="1">
-            <a:schemeClr val="accent1"/>
-          </a:lnRef>
-          <a:fillRef idx="0">
-            <a:schemeClr val="accent1"/>
-          </a:fillRef>
-          <a:effectRef idx="0">
-            <a:schemeClr val="accent1"/>
-          </a:effectRef>
-          <a:fontRef idx="minor">
-            <a:schemeClr val="tx1"/>
-          </a:fontRef>
-        </p:style>
-      </p:cxnSp>
-      <p:cxnSp>
-        <p:nvCxnSpPr>
-          <p:cNvPr id="41" name="Прямая соединительная линия 40">
-            <a:extLst>
-              <a:ext uri="{FF2B5EF4-FFF2-40B4-BE49-F238E27FC236}">
-                <a16:creationId xmlns:a16="http://schemas.microsoft.com/office/drawing/2014/main" id="{B33EE362-9893-4EBE-8A40-59FC5A3D6FC3}"/>
-              </a:ext>
-            </a:extLst>
-          </p:cNvPr>
-          <p:cNvCxnSpPr>
-            <a:stCxn id="15" idx="1"/>
-          </p:cNvCxnSpPr>
-          <p:nvPr/>
-        </p:nvCxnSpPr>
-        <p:spPr>
-          <a:xfrm flipH="1" flipV="1">
-            <a:off x="275208" y="4731798"/>
-            <a:ext cx="624360" cy="2809"/>
-          </a:xfrm>
-          <a:prstGeom prst="line">
-            <a:avLst/>
-          </a:prstGeom>
-        </p:spPr>
-        <p:style>
-          <a:lnRef idx="1">
-            <a:schemeClr val="accent1"/>
-          </a:lnRef>
-          <a:fillRef idx="0">
-            <a:schemeClr val="accent1"/>
-          </a:fillRef>
-          <a:effectRef idx="0">
-            <a:schemeClr val="accent1"/>
-          </a:effectRef>
-          <a:fontRef idx="minor">
-            <a:schemeClr val="tx1"/>
-          </a:fontRef>
-        </p:style>
-      </p:cxnSp>
-      <p:cxnSp>
-        <p:nvCxnSpPr>
-          <p:cNvPr id="45" name="Прямая соединительная линия 44">
-            <a:extLst>
-              <a:ext uri="{FF2B5EF4-FFF2-40B4-BE49-F238E27FC236}">
-                <a16:creationId xmlns:a16="http://schemas.microsoft.com/office/drawing/2014/main" id="{DCFD9EC2-4852-43B5-B6A6-12B0486829FC}"/>
-              </a:ext>
-            </a:extLst>
-          </p:cNvPr>
-          <p:cNvCxnSpPr>
-            <a:cxnSpLocks/>
-            <a:stCxn id="16" idx="1"/>
-          </p:cNvCxnSpPr>
-          <p:nvPr/>
-        </p:nvCxnSpPr>
-        <p:spPr>
-          <a:xfrm flipH="1" flipV="1">
-            <a:off x="269677" y="3593383"/>
-            <a:ext cx="629892" cy="1"/>
-          </a:xfrm>
-          <a:prstGeom prst="line">
-            <a:avLst/>
-          </a:prstGeom>
-        </p:spPr>
-        <p:style>
-          <a:lnRef idx="1">
-            <a:schemeClr val="accent1"/>
-          </a:lnRef>
-          <a:fillRef idx="0">
-            <a:schemeClr val="accent1"/>
-          </a:fillRef>
-          <a:effectRef idx="0">
-            <a:schemeClr val="accent1"/>
-          </a:effectRef>
-          <a:fontRef idx="minor">
-            <a:schemeClr val="tx1"/>
-          </a:fontRef>
-        </p:style>
-      </p:cxnSp>
-      <p:cxnSp>
-        <p:nvCxnSpPr>
-          <p:cNvPr id="48" name="Прямая соединительная линия 47">
-            <a:extLst>
-              <a:ext uri="{FF2B5EF4-FFF2-40B4-BE49-F238E27FC236}">
-                <a16:creationId xmlns:a16="http://schemas.microsoft.com/office/drawing/2014/main" id="{9C827785-CE15-4ED1-8F38-8FF4B7DAED96}"/>
-              </a:ext>
-            </a:extLst>
-          </p:cNvPr>
-          <p:cNvCxnSpPr>
-            <a:cxnSpLocks/>
-            <a:stCxn id="7" idx="1"/>
-          </p:cNvCxnSpPr>
-          <p:nvPr/>
-        </p:nvCxnSpPr>
-        <p:spPr>
-          <a:xfrm flipH="1">
-            <a:off x="269677" y="2455563"/>
-            <a:ext cx="629891" cy="0"/>
-          </a:xfrm>
-          <a:prstGeom prst="line">
-            <a:avLst/>
-          </a:prstGeom>
-        </p:spPr>
-        <p:style>
-          <a:lnRef idx="1">
-            <a:schemeClr val="accent1"/>
-          </a:lnRef>
-          <a:fillRef idx="0">
-            <a:schemeClr val="accent1"/>
-          </a:fillRef>
-          <a:effectRef idx="0">
-            <a:schemeClr val="accent1"/>
-          </a:effectRef>
-          <a:fontRef idx="minor">
-            <a:schemeClr val="tx1"/>
-          </a:fontRef>
-        </p:style>
-      </p:cxnSp>
-      <p:sp>
-        <p:nvSpPr>
-          <p:cNvPr id="52" name="Прямоугольник 51">
-            <a:extLst>
-              <a:ext uri="{FF2B5EF4-FFF2-40B4-BE49-F238E27FC236}">
-                <a16:creationId xmlns:a16="http://schemas.microsoft.com/office/drawing/2014/main" id="{F128DF52-B856-4508-A156-2408D3B9CB70}"/>
-              </a:ext>
-            </a:extLst>
-          </p:cNvPr>
-          <p:cNvSpPr/>
-          <p:nvPr/>
-        </p:nvSpPr>
-        <p:spPr>
-          <a:xfrm>
-            <a:off x="4224419" y="1879394"/>
-            <a:ext cx="2778710" cy="609268"/>
-          </a:xfrm>
-          <a:prstGeom prst="rect">
-            <a:avLst/>
-          </a:prstGeom>
-        </p:spPr>
-        <p:style>
-          <a:lnRef idx="1">
-            <a:schemeClr val="accent6"/>
-          </a:lnRef>
-          <a:fillRef idx="2">
-            <a:schemeClr val="accent6"/>
-          </a:fillRef>
-          <a:effectRef idx="1">
-            <a:schemeClr val="accent6"/>
-          </a:effectRef>
-          <a:fontRef idx="minor">
-            <a:schemeClr val="dk1"/>
-          </a:fontRef>
-        </p:style>
-        <p:txBody>
-          <a:bodyPr rtlCol="0" anchor="ctr"/>
-          <a:lstStyle/>
-          <a:p>
-            <a:pPr algn="ctr"/>
-            <a:r>
-              <a:rPr lang="ru-RU" dirty="0"/>
-              <a:t>Работодатель</a:t>
-            </a:r>
-          </a:p>
-        </p:txBody>
-      </p:sp>
-      <p:cxnSp>
-        <p:nvCxnSpPr>
-          <p:cNvPr id="54" name="Соединитель: уступ 53">
-            <a:extLst>
-              <a:ext uri="{FF2B5EF4-FFF2-40B4-BE49-F238E27FC236}">
-                <a16:creationId xmlns:a16="http://schemas.microsoft.com/office/drawing/2014/main" id="{6FBDB3D3-B3F3-4037-9CC6-441A523CB476}"/>
-              </a:ext>
-            </a:extLst>
-          </p:cNvPr>
-          <p:cNvCxnSpPr>
-            <a:stCxn id="17" idx="2"/>
-            <a:endCxn id="52" idx="0"/>
-          </p:cNvCxnSpPr>
-          <p:nvPr/>
-        </p:nvCxnSpPr>
-        <p:spPr>
-          <a:xfrm rot="5400000">
-            <a:off x="5551299" y="1334693"/>
-            <a:ext cx="607176" cy="482226"/>
-          </a:xfrm>
-          <a:prstGeom prst="bentConnector3">
-            <a:avLst>
-              <a:gd name="adj1" fmla="val 77780"/>
-            </a:avLst>
-          </a:prstGeom>
-        </p:spPr>
-        <p:style>
-          <a:lnRef idx="1">
-            <a:schemeClr val="accent1"/>
-          </a:lnRef>
-          <a:fillRef idx="0">
-            <a:schemeClr val="accent1"/>
-          </a:fillRef>
-          <a:effectRef idx="0">
-            <a:schemeClr val="accent1"/>
-          </a:effectRef>
-          <a:fontRef idx="minor">
-            <a:schemeClr val="tx1"/>
-          </a:fontRef>
-        </p:style>
-      </p:cxnSp>
-      <p:cxnSp>
-        <p:nvCxnSpPr>
-          <p:cNvPr id="57" name="Соединитель: уступ 56">
-            <a:extLst>
-              <a:ext uri="{FF2B5EF4-FFF2-40B4-BE49-F238E27FC236}">
-                <a16:creationId xmlns:a16="http://schemas.microsoft.com/office/drawing/2014/main" id="{F2F64CD0-18D1-47FC-B938-303F70B1CFEA}"/>
-              </a:ext>
-            </a:extLst>
-          </p:cNvPr>
-          <p:cNvCxnSpPr>
-            <a:stCxn id="52" idx="2"/>
-            <a:endCxn id="9" idx="1"/>
-          </p:cNvCxnSpPr>
-          <p:nvPr/>
-        </p:nvCxnSpPr>
-        <p:spPr>
-          <a:xfrm rot="5400000">
-            <a:off x="4086972" y="2935218"/>
-            <a:ext cx="1973358" cy="1080247"/>
-          </a:xfrm>
-          <a:prstGeom prst="bentConnector4">
-            <a:avLst>
-              <a:gd name="adj1" fmla="val 6724"/>
-              <a:gd name="adj2" fmla="val 121162"/>
-            </a:avLst>
-          </a:prstGeom>
-        </p:spPr>
-        <p:style>
-          <a:lnRef idx="1">
-            <a:schemeClr val="accent1"/>
-          </a:lnRef>
-          <a:fillRef idx="0">
-            <a:schemeClr val="accent1"/>
-          </a:fillRef>
-          <a:effectRef idx="0">
-            <a:schemeClr val="accent1"/>
-          </a:effectRef>
-          <a:fontRef idx="minor">
-            <a:schemeClr val="tx1"/>
-          </a:fontRef>
-        </p:style>
-      </p:cxnSp>
-      <p:cxnSp>
-        <p:nvCxnSpPr>
-          <p:cNvPr id="60" name="Прямая соединительная линия 59">
-            <a:extLst>
-              <a:ext uri="{FF2B5EF4-FFF2-40B4-BE49-F238E27FC236}">
-                <a16:creationId xmlns:a16="http://schemas.microsoft.com/office/drawing/2014/main" id="{0C91C7BC-D9DB-4F7F-82B9-57699B9A1E36}"/>
-              </a:ext>
-            </a:extLst>
-          </p:cNvPr>
-          <p:cNvCxnSpPr>
-            <a:cxnSpLocks/>
-            <a:stCxn id="10" idx="1"/>
-          </p:cNvCxnSpPr>
-          <p:nvPr/>
-        </p:nvCxnSpPr>
-        <p:spPr>
-          <a:xfrm flipH="1">
-            <a:off x="4314548" y="3716365"/>
-            <a:ext cx="213061" cy="0"/>
-          </a:xfrm>
-          <a:prstGeom prst="line">
-            <a:avLst/>
-          </a:prstGeom>
-        </p:spPr>
-        <p:style>
-          <a:lnRef idx="1">
-            <a:schemeClr val="accent1"/>
-          </a:lnRef>
-          <a:fillRef idx="0">
-            <a:schemeClr val="accent1"/>
-          </a:fillRef>
-          <a:effectRef idx="0">
-            <a:schemeClr val="accent1"/>
-          </a:effectRef>
-          <a:fontRef idx="minor">
-            <a:schemeClr val="tx1"/>
-          </a:fontRef>
-        </p:style>
-      </p:cxnSp>
-      <p:cxnSp>
-        <p:nvCxnSpPr>
-          <p:cNvPr id="62" name="Прямая соединительная линия 61">
-            <a:extLst>
-              <a:ext uri="{FF2B5EF4-FFF2-40B4-BE49-F238E27FC236}">
-                <a16:creationId xmlns:a16="http://schemas.microsoft.com/office/drawing/2014/main" id="{E0EC868B-DECD-4A29-89BE-7A50C257C78E}"/>
-              </a:ext>
-            </a:extLst>
-          </p:cNvPr>
-          <p:cNvCxnSpPr>
-            <a:stCxn id="11" idx="1"/>
-          </p:cNvCxnSpPr>
-          <p:nvPr/>
-        </p:nvCxnSpPr>
-        <p:spPr>
-          <a:xfrm flipH="1">
-            <a:off x="4314548" y="3010684"/>
-            <a:ext cx="213063" cy="0"/>
-          </a:xfrm>
-          <a:prstGeom prst="line">
-            <a:avLst/>
-          </a:prstGeom>
-        </p:spPr>
-        <p:style>
-          <a:lnRef idx="1">
-            <a:schemeClr val="accent1"/>
-          </a:lnRef>
-          <a:fillRef idx="0">
-            <a:schemeClr val="accent1"/>
-          </a:fillRef>
-          <a:effectRef idx="0">
-            <a:schemeClr val="accent1"/>
-          </a:effectRef>
-          <a:fontRef idx="minor">
-            <a:schemeClr val="tx1"/>
-          </a:fontRef>
-        </p:style>
-      </p:cxnSp>
-      <p:sp>
-        <p:nvSpPr>
-          <p:cNvPr id="64" name="Прямоугольник 63">
-            <a:extLst>
-              <a:ext uri="{FF2B5EF4-FFF2-40B4-BE49-F238E27FC236}">
-                <a16:creationId xmlns:a16="http://schemas.microsoft.com/office/drawing/2014/main" id="{3B3D93CB-1C40-4159-9188-062397D258E1}"/>
-              </a:ext>
-            </a:extLst>
-          </p:cNvPr>
-          <p:cNvSpPr/>
-          <p:nvPr/>
-        </p:nvSpPr>
-        <p:spPr>
-          <a:xfrm>
-            <a:off x="8305425" y="2446807"/>
-            <a:ext cx="2455362" cy="540305"/>
-          </a:xfrm>
-          <a:prstGeom prst="rect">
-            <a:avLst/>
-          </a:prstGeom>
-        </p:spPr>
-        <p:style>
-          <a:lnRef idx="1">
-            <a:schemeClr val="accent6"/>
-          </a:lnRef>
-          <a:fillRef idx="2">
-            <a:schemeClr val="accent6"/>
-          </a:fillRef>
-          <a:effectRef idx="1">
-            <a:schemeClr val="accent6"/>
-          </a:effectRef>
-          <a:fontRef idx="minor">
-            <a:schemeClr val="dk1"/>
-          </a:fontRef>
-        </p:style>
-        <p:txBody>
-          <a:bodyPr rtlCol="0" anchor="ctr"/>
-          <a:lstStyle/>
-          <a:p>
-            <a:pPr algn="ctr"/>
-            <a:r>
-              <a:rPr lang="ru-RU" dirty="0"/>
-              <a:t>Рабочий</a:t>
-            </a:r>
-          </a:p>
-        </p:txBody>
-      </p:sp>
-      <p:cxnSp>
-        <p:nvCxnSpPr>
-          <p:cNvPr id="66" name="Соединитель: уступ 65">
-            <a:extLst>
-              <a:ext uri="{FF2B5EF4-FFF2-40B4-BE49-F238E27FC236}">
-                <a16:creationId xmlns:a16="http://schemas.microsoft.com/office/drawing/2014/main" id="{EEA9197C-8867-4A0E-AC64-B1A9968CD017}"/>
-              </a:ext>
-            </a:extLst>
-          </p:cNvPr>
-          <p:cNvCxnSpPr>
-            <a:stCxn id="17" idx="2"/>
-            <a:endCxn id="64" idx="3"/>
-          </p:cNvCxnSpPr>
-          <p:nvPr/>
-        </p:nvCxnSpPr>
-        <p:spPr>
-          <a:xfrm rot="16200000" flipH="1">
-            <a:off x="7706022" y="-337805"/>
-            <a:ext cx="1444742" cy="4664787"/>
-          </a:xfrm>
-          <a:prstGeom prst="bentConnector4">
-            <a:avLst>
-              <a:gd name="adj1" fmla="val 11155"/>
-              <a:gd name="adj2" fmla="val 104901"/>
-            </a:avLst>
-          </a:prstGeom>
-        </p:spPr>
-        <p:style>
-          <a:lnRef idx="1">
-            <a:schemeClr val="accent1"/>
-          </a:lnRef>
-          <a:fillRef idx="0">
-            <a:schemeClr val="accent1"/>
-          </a:fillRef>
-          <a:effectRef idx="0">
-            <a:schemeClr val="accent1"/>
-          </a:effectRef>
-          <a:fontRef idx="minor">
-            <a:schemeClr val="tx1"/>
-          </a:fontRef>
-        </p:style>
-      </p:cxnSp>
-      <p:cxnSp>
-        <p:nvCxnSpPr>
-          <p:cNvPr id="69" name="Соединитель: уступ 68">
-            <a:extLst>
-              <a:ext uri="{FF2B5EF4-FFF2-40B4-BE49-F238E27FC236}">
-                <a16:creationId xmlns:a16="http://schemas.microsoft.com/office/drawing/2014/main" id="{CA883955-7EA4-413E-8392-3AE2C5D4A87D}"/>
-              </a:ext>
-            </a:extLst>
-          </p:cNvPr>
-          <p:cNvCxnSpPr>
-            <a:stCxn id="64" idx="2"/>
-            <a:endCxn id="13" idx="3"/>
-          </p:cNvCxnSpPr>
-          <p:nvPr/>
-        </p:nvCxnSpPr>
-        <p:spPr>
-          <a:xfrm rot="16200000" flipH="1">
-            <a:off x="9400624" y="3119593"/>
-            <a:ext cx="1492644" cy="1227681"/>
-          </a:xfrm>
-          <a:prstGeom prst="bentConnector4">
-            <a:avLst>
-              <a:gd name="adj1" fmla="val 14026"/>
-              <a:gd name="adj2" fmla="val 118620"/>
-            </a:avLst>
-          </a:prstGeom>
-        </p:spPr>
-        <p:style>
-          <a:lnRef idx="1">
-            <a:schemeClr val="accent1"/>
-          </a:lnRef>
-          <a:fillRef idx="0">
-            <a:schemeClr val="accent1"/>
-          </a:fillRef>
-          <a:effectRef idx="0">
-            <a:schemeClr val="accent1"/>
-          </a:effectRef>
-          <a:fontRef idx="minor">
-            <a:schemeClr val="tx1"/>
-          </a:fontRef>
-        </p:style>
-      </p:cxnSp>
-      <p:cxnSp>
-        <p:nvCxnSpPr>
-          <p:cNvPr id="72" name="Прямая соединительная линия 71">
-            <a:extLst>
-              <a:ext uri="{FF2B5EF4-FFF2-40B4-BE49-F238E27FC236}">
-                <a16:creationId xmlns:a16="http://schemas.microsoft.com/office/drawing/2014/main" id="{62377018-7DFA-4397-B3E7-0D520064EF07}"/>
-              </a:ext>
-            </a:extLst>
-          </p:cNvPr>
-          <p:cNvCxnSpPr>
-            <a:cxnSpLocks/>
-            <a:stCxn id="12" idx="3"/>
-          </p:cNvCxnSpPr>
-          <p:nvPr/>
-        </p:nvCxnSpPr>
-        <p:spPr>
-          <a:xfrm>
-            <a:off x="10760787" y="3666001"/>
-            <a:ext cx="238646" cy="0"/>
-          </a:xfrm>
-          <a:prstGeom prst="line">
-            <a:avLst/>
-          </a:prstGeom>
-        </p:spPr>
-        <p:style>
-          <a:lnRef idx="1">
-            <a:schemeClr val="accent1"/>
-          </a:lnRef>
-          <a:fillRef idx="0">
-            <a:schemeClr val="accent1"/>
-          </a:fillRef>
-          <a:effectRef idx="0">
-            <a:schemeClr val="accent1"/>
-          </a:effectRef>
-          <a:fontRef idx="minor">
-            <a:schemeClr val="tx1"/>
-          </a:fontRef>
-        </p:style>
-      </p:cxnSp>
-      <p:cxnSp>
-        <p:nvCxnSpPr>
-          <p:cNvPr id="78" name="Соединитель: уступ 77">
-            <a:extLst>
-              <a:ext uri="{FF2B5EF4-FFF2-40B4-BE49-F238E27FC236}">
-                <a16:creationId xmlns:a16="http://schemas.microsoft.com/office/drawing/2014/main" id="{3EEF78E4-1070-4DC9-93C7-839C2F2997C6}"/>
-              </a:ext>
-            </a:extLst>
-          </p:cNvPr>
-          <p:cNvCxnSpPr>
-            <a:stCxn id="17" idx="2"/>
-            <a:endCxn id="8" idx="0"/>
-          </p:cNvCxnSpPr>
-          <p:nvPr/>
-        </p:nvCxnSpPr>
-        <p:spPr>
-          <a:xfrm rot="16200000" flipH="1">
-            <a:off x="4794444" y="2573774"/>
-            <a:ext cx="3902350" cy="1299238"/>
-          </a:xfrm>
-          <a:prstGeom prst="bentConnector3">
-            <a:avLst>
-              <a:gd name="adj1" fmla="val 6548"/>
-            </a:avLst>
-          </a:prstGeom>
-        </p:spPr>
-        <p:style>
-          <a:lnRef idx="1">
-            <a:schemeClr val="accent1"/>
-          </a:lnRef>
-          <a:fillRef idx="0">
-            <a:schemeClr val="accent1"/>
-          </a:fillRef>
-          <a:effectRef idx="0">
-            <a:schemeClr val="accent1"/>
-          </a:effectRef>
-          <a:fontRef idx="minor">
-            <a:schemeClr val="tx1"/>
-          </a:fontRef>
-        </p:style>
-      </p:cxnSp>
-    </p:spTree>
-    <p:extLst>
-      <p:ext uri="{BB962C8B-B14F-4D97-AF65-F5344CB8AC3E}">
-        <p14:creationId xmlns:p14="http://schemas.microsoft.com/office/powerpoint/2010/main" val="3563491741"/>
-      </p:ext>
-    </p:extLst>
-  </p:cSld>
-  <p:clrMapOvr>
-    <a:masterClrMapping/>
-  </p:clrMapOvr>
-</p:sld>
-</file>
-
-<file path=ppt/slides/slide5.xml><?xml version="1.0" encoding="utf-8"?>
-<p:sld xmlns:a="http://schemas.openxmlformats.org/drawingml/2006/main" xmlns:r="http://schemas.openxmlformats.org/officeDocument/2006/relationships" xmlns:p="http://schemas.openxmlformats.org/presentationml/2006/main">
-  <p:cSld>
-    <p:spTree>
-      <p:nvGrpSpPr>
-        <p:cNvPr id="1" name=""/>
-        <p:cNvGrpSpPr/>
-        <p:nvPr/>
-      </p:nvGrpSpPr>
-      <p:grpSpPr>
-        <a:xfrm>
-          <a:off x="0" y="0"/>
-          <a:ext cx="0" cy="0"/>
-          <a:chOff x="0" y="0"/>
-          <a:chExt cx="0" cy="0"/>
-        </a:xfrm>
-      </p:grpSpPr>
-      <p:sp>
-        <p:nvSpPr>
           <p:cNvPr id="2" name="Заголовок 1">
             <a:extLst>
               <a:ext uri="{FF2B5EF4-FFF2-40B4-BE49-F238E27FC236}">
@@ -5636,644 +4858,6 @@
                   <a:schemeClr val="tx1"/>
                 </a:solidFill>
               </a:rPr>
-              <a:t>Структура</a:t>
-            </a:r>
-          </a:p>
-        </p:txBody>
-      </p:sp>
-      <p:sp>
-        <p:nvSpPr>
-          <p:cNvPr id="6" name="Прямоугольник 5">
-            <a:extLst>
-              <a:ext uri="{FF2B5EF4-FFF2-40B4-BE49-F238E27FC236}">
-                <a16:creationId xmlns:a16="http://schemas.microsoft.com/office/drawing/2014/main" id="{9EAD7102-FB95-4F7D-9A67-F05F39A8CDE5}"/>
-              </a:ext>
-            </a:extLst>
-          </p:cNvPr>
-          <p:cNvSpPr/>
-          <p:nvPr/>
-        </p:nvSpPr>
-        <p:spPr>
-          <a:xfrm>
-            <a:off x="1905148" y="2176437"/>
-            <a:ext cx="1961965" cy="754602"/>
-          </a:xfrm>
-          <a:prstGeom prst="rect">
-            <a:avLst/>
-          </a:prstGeom>
-        </p:spPr>
-        <p:style>
-          <a:lnRef idx="1">
-            <a:schemeClr val="accent6"/>
-          </a:lnRef>
-          <a:fillRef idx="3">
-            <a:schemeClr val="accent6"/>
-          </a:fillRef>
-          <a:effectRef idx="2">
-            <a:schemeClr val="accent6"/>
-          </a:effectRef>
-          <a:fontRef idx="minor">
-            <a:schemeClr val="lt1"/>
-          </a:fontRef>
-        </p:style>
-        <p:txBody>
-          <a:bodyPr rtlCol="0" anchor="ctr"/>
-          <a:lstStyle/>
-          <a:p>
-            <a:pPr algn="ctr"/>
-            <a:r>
-              <a:rPr lang="ru-RU" dirty="0"/>
-              <a:t>Обработчики запросов</a:t>
-            </a:r>
-          </a:p>
-        </p:txBody>
-      </p:sp>
-      <p:sp>
-        <p:nvSpPr>
-          <p:cNvPr id="8" name="Прямоугольник 7">
-            <a:extLst>
-              <a:ext uri="{FF2B5EF4-FFF2-40B4-BE49-F238E27FC236}">
-                <a16:creationId xmlns:a16="http://schemas.microsoft.com/office/drawing/2014/main" id="{F3C662EF-411C-49C0-94F4-0E52A12407A5}"/>
-              </a:ext>
-            </a:extLst>
-          </p:cNvPr>
-          <p:cNvSpPr/>
-          <p:nvPr/>
-        </p:nvSpPr>
-        <p:spPr>
-          <a:xfrm>
-            <a:off x="1905145" y="4226964"/>
-            <a:ext cx="1961965" cy="754602"/>
-          </a:xfrm>
-          <a:prstGeom prst="rect">
-            <a:avLst/>
-          </a:prstGeom>
-        </p:spPr>
-        <p:style>
-          <a:lnRef idx="1">
-            <a:schemeClr val="accent6"/>
-          </a:lnRef>
-          <a:fillRef idx="3">
-            <a:schemeClr val="accent6"/>
-          </a:fillRef>
-          <a:effectRef idx="2">
-            <a:schemeClr val="accent6"/>
-          </a:effectRef>
-          <a:fontRef idx="minor">
-            <a:schemeClr val="lt1"/>
-          </a:fontRef>
-        </p:style>
-        <p:txBody>
-          <a:bodyPr rtlCol="0" anchor="ctr"/>
-          <a:lstStyle/>
-          <a:p>
-            <a:pPr algn="ctr"/>
-            <a:r>
-              <a:rPr lang="ru-RU" dirty="0"/>
-              <a:t>Вспомогательные функции</a:t>
-            </a:r>
-          </a:p>
-        </p:txBody>
-      </p:sp>
-      <p:sp>
-        <p:nvSpPr>
-          <p:cNvPr id="9" name="Прямоугольник 8">
-            <a:extLst>
-              <a:ext uri="{FF2B5EF4-FFF2-40B4-BE49-F238E27FC236}">
-                <a16:creationId xmlns:a16="http://schemas.microsoft.com/office/drawing/2014/main" id="{7867BF81-26A7-445B-8010-F91C228039AE}"/>
-              </a:ext>
-            </a:extLst>
-          </p:cNvPr>
-          <p:cNvSpPr/>
-          <p:nvPr/>
-        </p:nvSpPr>
-        <p:spPr>
-          <a:xfrm>
-            <a:off x="1905146" y="3107599"/>
-            <a:ext cx="1961965" cy="583188"/>
-          </a:xfrm>
-          <a:prstGeom prst="rect">
-            <a:avLst/>
-          </a:prstGeom>
-        </p:spPr>
-        <p:style>
-          <a:lnRef idx="1">
-            <a:schemeClr val="accent6"/>
-          </a:lnRef>
-          <a:fillRef idx="3">
-            <a:schemeClr val="accent6"/>
-          </a:fillRef>
-          <a:effectRef idx="2">
-            <a:schemeClr val="accent6"/>
-          </a:effectRef>
-          <a:fontRef idx="minor">
-            <a:schemeClr val="lt1"/>
-          </a:fontRef>
-        </p:style>
-        <p:txBody>
-          <a:bodyPr rtlCol="0" anchor="ctr"/>
-          <a:lstStyle/>
-          <a:p>
-            <a:pPr algn="ctr"/>
-            <a:r>
-              <a:rPr lang="ru-RU" dirty="0"/>
-              <a:t>Классы</a:t>
-            </a:r>
-          </a:p>
-        </p:txBody>
-      </p:sp>
-      <p:sp>
-        <p:nvSpPr>
-          <p:cNvPr id="10" name="Прямоугольник 9">
-            <a:extLst>
-              <a:ext uri="{FF2B5EF4-FFF2-40B4-BE49-F238E27FC236}">
-                <a16:creationId xmlns:a16="http://schemas.microsoft.com/office/drawing/2014/main" id="{30FCEE4A-B1F0-440C-B35C-DC34F9AE1752}"/>
-              </a:ext>
-            </a:extLst>
-          </p:cNvPr>
-          <p:cNvSpPr/>
-          <p:nvPr/>
-        </p:nvSpPr>
-        <p:spPr>
-          <a:xfrm>
-            <a:off x="5677266" y="1987044"/>
-            <a:ext cx="2299317" cy="1127465"/>
-          </a:xfrm>
-          <a:prstGeom prst="rect">
-            <a:avLst/>
-          </a:prstGeom>
-        </p:spPr>
-        <p:style>
-          <a:lnRef idx="1">
-            <a:schemeClr val="accent5"/>
-          </a:lnRef>
-          <a:fillRef idx="3">
-            <a:schemeClr val="accent5"/>
-          </a:fillRef>
-          <a:effectRef idx="2">
-            <a:schemeClr val="accent5"/>
-          </a:effectRef>
-          <a:fontRef idx="minor">
-            <a:schemeClr val="lt1"/>
-          </a:fontRef>
-        </p:style>
-        <p:txBody>
-          <a:bodyPr rtlCol="0" anchor="ctr"/>
-          <a:lstStyle/>
-          <a:p>
-            <a:pPr algn="ctr"/>
-            <a:r>
-              <a:rPr lang="ru-RU" dirty="0"/>
-              <a:t>Отправка сообщений в </a:t>
-            </a:r>
-            <a:r>
-              <a:rPr lang="ru-RU" dirty="0" err="1"/>
-              <a:t>Вконтакте</a:t>
-            </a:r>
-            <a:endParaRPr lang="ru-RU" dirty="0"/>
-          </a:p>
-        </p:txBody>
-      </p:sp>
-      <p:sp>
-        <p:nvSpPr>
-          <p:cNvPr id="11" name="Прямоугольник 10">
-            <a:extLst>
-              <a:ext uri="{FF2B5EF4-FFF2-40B4-BE49-F238E27FC236}">
-                <a16:creationId xmlns:a16="http://schemas.microsoft.com/office/drawing/2014/main" id="{DAA583FF-F0BA-4B5A-94D3-37F82356F91D}"/>
-              </a:ext>
-            </a:extLst>
-          </p:cNvPr>
-          <p:cNvSpPr/>
-          <p:nvPr/>
-        </p:nvSpPr>
-        <p:spPr>
-          <a:xfrm>
-            <a:off x="5426623" y="5085950"/>
-            <a:ext cx="2093651" cy="1001698"/>
-          </a:xfrm>
-          <a:prstGeom prst="rect">
-            <a:avLst/>
-          </a:prstGeom>
-        </p:spPr>
-        <p:style>
-          <a:lnRef idx="1">
-            <a:schemeClr val="accent5"/>
-          </a:lnRef>
-          <a:fillRef idx="3">
-            <a:schemeClr val="accent5"/>
-          </a:fillRef>
-          <a:effectRef idx="2">
-            <a:schemeClr val="accent5"/>
-          </a:effectRef>
-          <a:fontRef idx="minor">
-            <a:schemeClr val="lt1"/>
-          </a:fontRef>
-        </p:style>
-        <p:txBody>
-          <a:bodyPr rtlCol="0" anchor="ctr"/>
-          <a:lstStyle/>
-          <a:p>
-            <a:pPr algn="ctr"/>
-            <a:r>
-              <a:rPr lang="ru-RU" dirty="0"/>
-              <a:t>Работа с картой и координатами</a:t>
-            </a:r>
-          </a:p>
-        </p:txBody>
-      </p:sp>
-      <p:sp>
-        <p:nvSpPr>
-          <p:cNvPr id="12" name="Прямоугольник 11">
-            <a:extLst>
-              <a:ext uri="{FF2B5EF4-FFF2-40B4-BE49-F238E27FC236}">
-                <a16:creationId xmlns:a16="http://schemas.microsoft.com/office/drawing/2014/main" id="{B0AF8137-05F1-4BA4-BF08-A6162DC7490B}"/>
-              </a:ext>
-            </a:extLst>
-          </p:cNvPr>
-          <p:cNvSpPr/>
-          <p:nvPr/>
-        </p:nvSpPr>
-        <p:spPr>
-          <a:xfrm>
-            <a:off x="7976583" y="4454181"/>
-            <a:ext cx="1825842" cy="921657"/>
-          </a:xfrm>
-          <a:prstGeom prst="rect">
-            <a:avLst/>
-          </a:prstGeom>
-        </p:spPr>
-        <p:style>
-          <a:lnRef idx="1">
-            <a:schemeClr val="accent5"/>
-          </a:lnRef>
-          <a:fillRef idx="3">
-            <a:schemeClr val="accent5"/>
-          </a:fillRef>
-          <a:effectRef idx="2">
-            <a:schemeClr val="accent5"/>
-          </a:effectRef>
-          <a:fontRef idx="minor">
-            <a:schemeClr val="lt1"/>
-          </a:fontRef>
-        </p:style>
-        <p:txBody>
-          <a:bodyPr rtlCol="0" anchor="ctr"/>
-          <a:lstStyle/>
-          <a:p>
-            <a:pPr algn="ctr"/>
-            <a:r>
-              <a:rPr lang="ru-RU" dirty="0"/>
-              <a:t>Сортировка данных</a:t>
-            </a:r>
-          </a:p>
-        </p:txBody>
-      </p:sp>
-      <p:sp>
-        <p:nvSpPr>
-          <p:cNvPr id="13" name="Прямоугольник 12">
-            <a:extLst>
-              <a:ext uri="{FF2B5EF4-FFF2-40B4-BE49-F238E27FC236}">
-                <a16:creationId xmlns:a16="http://schemas.microsoft.com/office/drawing/2014/main" id="{F13F3D97-8DBC-44D4-BAA2-4B2B00983F4B}"/>
-              </a:ext>
-            </a:extLst>
-          </p:cNvPr>
-          <p:cNvSpPr/>
-          <p:nvPr/>
-        </p:nvSpPr>
-        <p:spPr>
-          <a:xfrm>
-            <a:off x="8440594" y="3019319"/>
-            <a:ext cx="1895383" cy="998739"/>
-          </a:xfrm>
-          <a:prstGeom prst="rect">
-            <a:avLst/>
-          </a:prstGeom>
-        </p:spPr>
-        <p:style>
-          <a:lnRef idx="1">
-            <a:schemeClr val="accent5"/>
-          </a:lnRef>
-          <a:fillRef idx="3">
-            <a:schemeClr val="accent5"/>
-          </a:fillRef>
-          <a:effectRef idx="2">
-            <a:schemeClr val="accent5"/>
-          </a:effectRef>
-          <a:fontRef idx="minor">
-            <a:schemeClr val="lt1"/>
-          </a:fontRef>
-        </p:style>
-        <p:txBody>
-          <a:bodyPr rtlCol="0" anchor="ctr"/>
-          <a:lstStyle/>
-          <a:p>
-            <a:pPr algn="ctr"/>
-            <a:r>
-              <a:rPr lang="ru-RU" dirty="0"/>
-              <a:t>Подключение к базе данных</a:t>
-            </a:r>
-          </a:p>
-        </p:txBody>
-      </p:sp>
-      <p:cxnSp>
-        <p:nvCxnSpPr>
-          <p:cNvPr id="15" name="Прямая соединительная линия 14">
-            <a:extLst>
-              <a:ext uri="{FF2B5EF4-FFF2-40B4-BE49-F238E27FC236}">
-                <a16:creationId xmlns:a16="http://schemas.microsoft.com/office/drawing/2014/main" id="{180DD86A-142D-4A0A-911A-1194CF3579DF}"/>
-              </a:ext>
-            </a:extLst>
-          </p:cNvPr>
-          <p:cNvCxnSpPr>
-            <a:stCxn id="6" idx="2"/>
-            <a:endCxn id="9" idx="0"/>
-          </p:cNvCxnSpPr>
-          <p:nvPr/>
-        </p:nvCxnSpPr>
-        <p:spPr>
-          <a:xfrm flipH="1">
-            <a:off x="2886129" y="2931039"/>
-            <a:ext cx="2" cy="176560"/>
-          </a:xfrm>
-          <a:prstGeom prst="line">
-            <a:avLst/>
-          </a:prstGeom>
-        </p:spPr>
-        <p:style>
-          <a:lnRef idx="3">
-            <a:schemeClr val="accent2"/>
-          </a:lnRef>
-          <a:fillRef idx="0">
-            <a:schemeClr val="accent2"/>
-          </a:fillRef>
-          <a:effectRef idx="2">
-            <a:schemeClr val="accent2"/>
-          </a:effectRef>
-          <a:fontRef idx="minor">
-            <a:schemeClr val="tx1"/>
-          </a:fontRef>
-        </p:style>
-      </p:cxnSp>
-      <p:cxnSp>
-        <p:nvCxnSpPr>
-          <p:cNvPr id="17" name="Прямая соединительная линия 16">
-            <a:extLst>
-              <a:ext uri="{FF2B5EF4-FFF2-40B4-BE49-F238E27FC236}">
-                <a16:creationId xmlns:a16="http://schemas.microsoft.com/office/drawing/2014/main" id="{DAE26A70-BD57-4B4B-A49C-C81B831D69E5}"/>
-              </a:ext>
-            </a:extLst>
-          </p:cNvPr>
-          <p:cNvCxnSpPr>
-            <a:stCxn id="8" idx="0"/>
-            <a:endCxn id="9" idx="2"/>
-          </p:cNvCxnSpPr>
-          <p:nvPr/>
-        </p:nvCxnSpPr>
-        <p:spPr>
-          <a:xfrm flipV="1">
-            <a:off x="2886128" y="3690787"/>
-            <a:ext cx="1" cy="536177"/>
-          </a:xfrm>
-          <a:prstGeom prst="line">
-            <a:avLst/>
-          </a:prstGeom>
-        </p:spPr>
-        <p:style>
-          <a:lnRef idx="3">
-            <a:schemeClr val="accent2"/>
-          </a:lnRef>
-          <a:fillRef idx="0">
-            <a:schemeClr val="accent2"/>
-          </a:fillRef>
-          <a:effectRef idx="2">
-            <a:schemeClr val="accent2"/>
-          </a:effectRef>
-          <a:fontRef idx="minor">
-            <a:schemeClr val="tx1"/>
-          </a:fontRef>
-        </p:style>
-      </p:cxnSp>
-      <p:cxnSp>
-        <p:nvCxnSpPr>
-          <p:cNvPr id="19" name="Прямая соединительная линия 18">
-            <a:extLst>
-              <a:ext uri="{FF2B5EF4-FFF2-40B4-BE49-F238E27FC236}">
-                <a16:creationId xmlns:a16="http://schemas.microsoft.com/office/drawing/2014/main" id="{56865E4E-F56F-40ED-B48E-F34848A3B31A}"/>
-              </a:ext>
-            </a:extLst>
-          </p:cNvPr>
-          <p:cNvCxnSpPr>
-            <a:stCxn id="8" idx="3"/>
-            <a:endCxn id="10" idx="1"/>
-          </p:cNvCxnSpPr>
-          <p:nvPr/>
-        </p:nvCxnSpPr>
-        <p:spPr>
-          <a:xfrm flipV="1">
-            <a:off x="3867110" y="2550777"/>
-            <a:ext cx="1810156" cy="2053488"/>
-          </a:xfrm>
-          <a:prstGeom prst="line">
-            <a:avLst/>
-          </a:prstGeom>
-        </p:spPr>
-        <p:style>
-          <a:lnRef idx="3">
-            <a:schemeClr val="accent1"/>
-          </a:lnRef>
-          <a:fillRef idx="0">
-            <a:schemeClr val="accent1"/>
-          </a:fillRef>
-          <a:effectRef idx="2">
-            <a:schemeClr val="accent1"/>
-          </a:effectRef>
-          <a:fontRef idx="minor">
-            <a:schemeClr val="tx1"/>
-          </a:fontRef>
-        </p:style>
-      </p:cxnSp>
-      <p:cxnSp>
-        <p:nvCxnSpPr>
-          <p:cNvPr id="20" name="Прямая соединительная линия 19">
-            <a:extLst>
-              <a:ext uri="{FF2B5EF4-FFF2-40B4-BE49-F238E27FC236}">
-                <a16:creationId xmlns:a16="http://schemas.microsoft.com/office/drawing/2014/main" id="{1B19885C-83A2-4C82-8C0D-615B5209FB2C}"/>
-              </a:ext>
-            </a:extLst>
-          </p:cNvPr>
-          <p:cNvCxnSpPr>
-            <a:cxnSpLocks/>
-            <a:stCxn id="8" idx="3"/>
-            <a:endCxn id="13" idx="1"/>
-          </p:cNvCxnSpPr>
-          <p:nvPr/>
-        </p:nvCxnSpPr>
-        <p:spPr>
-          <a:xfrm flipV="1">
-            <a:off x="3867110" y="3518689"/>
-            <a:ext cx="4573484" cy="1085576"/>
-          </a:xfrm>
-          <a:prstGeom prst="line">
-            <a:avLst/>
-          </a:prstGeom>
-        </p:spPr>
-        <p:style>
-          <a:lnRef idx="3">
-            <a:schemeClr val="accent1"/>
-          </a:lnRef>
-          <a:fillRef idx="0">
-            <a:schemeClr val="accent1"/>
-          </a:fillRef>
-          <a:effectRef idx="2">
-            <a:schemeClr val="accent1"/>
-          </a:effectRef>
-          <a:fontRef idx="minor">
-            <a:schemeClr val="tx1"/>
-          </a:fontRef>
-        </p:style>
-      </p:cxnSp>
-      <p:cxnSp>
-        <p:nvCxnSpPr>
-          <p:cNvPr id="23" name="Прямая соединительная линия 22">
-            <a:extLst>
-              <a:ext uri="{FF2B5EF4-FFF2-40B4-BE49-F238E27FC236}">
-                <a16:creationId xmlns:a16="http://schemas.microsoft.com/office/drawing/2014/main" id="{23DA28BB-5936-4A70-A46C-4AE7F4F5DF70}"/>
-              </a:ext>
-            </a:extLst>
-          </p:cNvPr>
-          <p:cNvCxnSpPr>
-            <a:cxnSpLocks/>
-            <a:stCxn id="8" idx="3"/>
-            <a:endCxn id="12" idx="1"/>
-          </p:cNvCxnSpPr>
-          <p:nvPr/>
-        </p:nvCxnSpPr>
-        <p:spPr>
-          <a:xfrm>
-            <a:off x="3867110" y="4604265"/>
-            <a:ext cx="4109473" cy="310745"/>
-          </a:xfrm>
-          <a:prstGeom prst="line">
-            <a:avLst/>
-          </a:prstGeom>
-        </p:spPr>
-        <p:style>
-          <a:lnRef idx="3">
-            <a:schemeClr val="accent1"/>
-          </a:lnRef>
-          <a:fillRef idx="0">
-            <a:schemeClr val="accent1"/>
-          </a:fillRef>
-          <a:effectRef idx="2">
-            <a:schemeClr val="accent1"/>
-          </a:effectRef>
-          <a:fontRef idx="minor">
-            <a:schemeClr val="tx1"/>
-          </a:fontRef>
-        </p:style>
-      </p:cxnSp>
-      <p:cxnSp>
-        <p:nvCxnSpPr>
-          <p:cNvPr id="26" name="Прямая соединительная линия 25">
-            <a:extLst>
-              <a:ext uri="{FF2B5EF4-FFF2-40B4-BE49-F238E27FC236}">
-                <a16:creationId xmlns:a16="http://schemas.microsoft.com/office/drawing/2014/main" id="{6B0E2257-9F41-4ACA-B8DA-14FE4BB4943A}"/>
-              </a:ext>
-            </a:extLst>
-          </p:cNvPr>
-          <p:cNvCxnSpPr>
-            <a:cxnSpLocks/>
-            <a:stCxn id="8" idx="3"/>
-            <a:endCxn id="11" idx="1"/>
-          </p:cNvCxnSpPr>
-          <p:nvPr/>
-        </p:nvCxnSpPr>
-        <p:spPr>
-          <a:xfrm>
-            <a:off x="3867110" y="4604265"/>
-            <a:ext cx="1559513" cy="982534"/>
-          </a:xfrm>
-          <a:prstGeom prst="line">
-            <a:avLst/>
-          </a:prstGeom>
-        </p:spPr>
-        <p:style>
-          <a:lnRef idx="3">
-            <a:schemeClr val="accent1"/>
-          </a:lnRef>
-          <a:fillRef idx="0">
-            <a:schemeClr val="accent1"/>
-          </a:fillRef>
-          <a:effectRef idx="2">
-            <a:schemeClr val="accent1"/>
-          </a:effectRef>
-          <a:fontRef idx="minor">
-            <a:schemeClr val="tx1"/>
-          </a:fontRef>
-        </p:style>
-      </p:cxnSp>
-    </p:spTree>
-    <p:extLst>
-      <p:ext uri="{BB962C8B-B14F-4D97-AF65-F5344CB8AC3E}">
-        <p14:creationId xmlns:p14="http://schemas.microsoft.com/office/powerpoint/2010/main" val="2301551204"/>
-      </p:ext>
-    </p:extLst>
-  </p:cSld>
-  <p:clrMapOvr>
-    <a:masterClrMapping/>
-  </p:clrMapOvr>
-</p:sld>
-</file>
-
-<file path=ppt/slides/slide6.xml><?xml version="1.0" encoding="utf-8"?>
-<p:sld xmlns:a="http://schemas.openxmlformats.org/drawingml/2006/main" xmlns:r="http://schemas.openxmlformats.org/officeDocument/2006/relationships" xmlns:p="http://schemas.openxmlformats.org/presentationml/2006/main">
-  <p:cSld>
-    <p:spTree>
-      <p:nvGrpSpPr>
-        <p:cNvPr id="1" name=""/>
-        <p:cNvGrpSpPr/>
-        <p:nvPr/>
-      </p:nvGrpSpPr>
-      <p:grpSpPr>
-        <a:xfrm>
-          <a:off x="0" y="0"/>
-          <a:ext cx="0" cy="0"/>
-          <a:chOff x="0" y="0"/>
-          <a:chExt cx="0" cy="0"/>
-        </a:xfrm>
-      </p:grpSpPr>
-      <p:sp>
-        <p:nvSpPr>
-          <p:cNvPr id="2" name="Заголовок 1">
-            <a:extLst>
-              <a:ext uri="{FF2B5EF4-FFF2-40B4-BE49-F238E27FC236}">
-                <a16:creationId xmlns:a16="http://schemas.microsoft.com/office/drawing/2014/main" id="{8950E59E-03DA-4949-AB35-95D9B8C7E3F3}"/>
-              </a:ext>
-            </a:extLst>
-          </p:cNvPr>
-          <p:cNvSpPr>
-            <a:spLocks noGrp="1"/>
-          </p:cNvSpPr>
-          <p:nvPr>
-            <p:ph type="title"/>
-          </p:nvPr>
-        </p:nvSpPr>
-        <p:spPr>
-          <a:xfrm>
-            <a:off x="1097280" y="286603"/>
-            <a:ext cx="10058400" cy="1341781"/>
-          </a:xfrm>
-        </p:spPr>
-        <p:txBody>
-          <a:bodyPr/>
-          <a:lstStyle/>
-          <a:p>
-            <a:r>
-              <a:rPr lang="ru-RU" dirty="0">
-                <a:solidFill>
-                  <a:schemeClr val="tx1"/>
-                </a:solidFill>
-              </a:rPr>
               <a:t>Страницы</a:t>
             </a:r>
           </a:p>
@@ -6426,7 +5010,7 @@
 </p:sld>
 </file>
 
-<file path=ppt/slides/slide7.xml><?xml version="1.0" encoding="utf-8"?>
+<file path=ppt/slides/slide5.xml><?xml version="1.0" encoding="utf-8"?>
 <p:sld xmlns:a="http://schemas.openxmlformats.org/drawingml/2006/main" xmlns:r="http://schemas.openxmlformats.org/officeDocument/2006/relationships" xmlns:p="http://schemas.openxmlformats.org/presentationml/2006/main">
   <p:cSld>
     <p:spTree>
@@ -6575,6 +5159,1789 @@
 </p:sld>
 </file>
 
+<file path=ppt/slides/slide6.xml><?xml version="1.0" encoding="utf-8"?>
+<p:sld xmlns:a="http://schemas.openxmlformats.org/drawingml/2006/main" xmlns:r="http://schemas.openxmlformats.org/officeDocument/2006/relationships" xmlns:p="http://schemas.openxmlformats.org/presentationml/2006/main">
+  <p:cSld>
+    <p:spTree>
+      <p:nvGrpSpPr>
+        <p:cNvPr id="1" name=""/>
+        <p:cNvGrpSpPr/>
+        <p:nvPr/>
+      </p:nvGrpSpPr>
+      <p:grpSpPr>
+        <a:xfrm>
+          <a:off x="0" y="0"/>
+          <a:ext cx="0" cy="0"/>
+          <a:chOff x="0" y="0"/>
+          <a:chExt cx="0" cy="0"/>
+        </a:xfrm>
+      </p:grpSpPr>
+      <p:sp>
+        <p:nvSpPr>
+          <p:cNvPr id="7" name="Прямоугольник 6">
+            <a:extLst>
+              <a:ext uri="{FF2B5EF4-FFF2-40B4-BE49-F238E27FC236}">
+                <a16:creationId xmlns:a16="http://schemas.microsoft.com/office/drawing/2014/main" id="{ECC4E88A-FB04-46D7-8D00-572579777545}"/>
+              </a:ext>
+            </a:extLst>
+          </p:cNvPr>
+          <p:cNvSpPr/>
+          <p:nvPr/>
+        </p:nvSpPr>
+        <p:spPr>
+          <a:xfrm>
+            <a:off x="899568" y="2056808"/>
+            <a:ext cx="2885997" cy="797510"/>
+          </a:xfrm>
+          <a:prstGeom prst="rect">
+            <a:avLst/>
+          </a:prstGeom>
+        </p:spPr>
+        <p:style>
+          <a:lnRef idx="1">
+            <a:schemeClr val="accent1"/>
+          </a:lnRef>
+          <a:fillRef idx="2">
+            <a:schemeClr val="accent1"/>
+          </a:fillRef>
+          <a:effectRef idx="1">
+            <a:schemeClr val="accent1"/>
+          </a:effectRef>
+          <a:fontRef idx="minor">
+            <a:schemeClr val="dk1"/>
+          </a:fontRef>
+        </p:style>
+        <p:txBody>
+          <a:bodyPr rtlCol="0" anchor="ctr"/>
+          <a:lstStyle/>
+          <a:p>
+            <a:pPr algn="ctr"/>
+            <a:r>
+              <a:rPr lang="ru-RU" dirty="0"/>
+              <a:t>Зарегистрироваться/войти</a:t>
+            </a:r>
+          </a:p>
+        </p:txBody>
+      </p:sp>
+      <p:sp>
+        <p:nvSpPr>
+          <p:cNvPr id="8" name="Прямоугольник 7">
+            <a:extLst>
+              <a:ext uri="{FF2B5EF4-FFF2-40B4-BE49-F238E27FC236}">
+                <a16:creationId xmlns:a16="http://schemas.microsoft.com/office/drawing/2014/main" id="{5458A97B-684F-4443-B829-3AF0B23A5205}"/>
+              </a:ext>
+            </a:extLst>
+          </p:cNvPr>
+          <p:cNvSpPr/>
+          <p:nvPr/>
+        </p:nvSpPr>
+        <p:spPr>
+          <a:xfrm>
+            <a:off x="5854887" y="5174568"/>
+            <a:ext cx="3080702" cy="1092344"/>
+          </a:xfrm>
+          <a:prstGeom prst="rect">
+            <a:avLst/>
+          </a:prstGeom>
+        </p:spPr>
+        <p:style>
+          <a:lnRef idx="1">
+            <a:schemeClr val="accent1"/>
+          </a:lnRef>
+          <a:fillRef idx="2">
+            <a:schemeClr val="accent1"/>
+          </a:fillRef>
+          <a:effectRef idx="1">
+            <a:schemeClr val="accent1"/>
+          </a:effectRef>
+          <a:fontRef idx="minor">
+            <a:schemeClr val="dk1"/>
+          </a:fontRef>
+        </p:style>
+        <p:txBody>
+          <a:bodyPr rtlCol="0" anchor="ctr"/>
+          <a:lstStyle/>
+          <a:p>
+            <a:pPr algn="ctr"/>
+            <a:r>
+              <a:rPr lang="ru-RU" dirty="0"/>
+              <a:t>Получать сообщение в </a:t>
+            </a:r>
+            <a:r>
+              <a:rPr lang="ru-RU" dirty="0" err="1"/>
+              <a:t>vk</a:t>
+            </a:r>
+            <a:r>
+              <a:rPr lang="ru-RU" dirty="0"/>
+              <a:t> о состоянии работы и аккаунта</a:t>
+            </a:r>
+          </a:p>
+        </p:txBody>
+      </p:sp>
+      <p:sp>
+        <p:nvSpPr>
+          <p:cNvPr id="9" name="Прямоугольник 8">
+            <a:extLst>
+              <a:ext uri="{FF2B5EF4-FFF2-40B4-BE49-F238E27FC236}">
+                <a16:creationId xmlns:a16="http://schemas.microsoft.com/office/drawing/2014/main" id="{54B96E95-9605-446A-8D10-F512CCF8BBB6}"/>
+              </a:ext>
+            </a:extLst>
+          </p:cNvPr>
+          <p:cNvSpPr/>
+          <p:nvPr/>
+        </p:nvSpPr>
+        <p:spPr>
+          <a:xfrm>
+            <a:off x="4533527" y="4192242"/>
+            <a:ext cx="2475517" cy="539556"/>
+          </a:xfrm>
+          <a:prstGeom prst="rect">
+            <a:avLst/>
+          </a:prstGeom>
+        </p:spPr>
+        <p:style>
+          <a:lnRef idx="1">
+            <a:schemeClr val="accent1"/>
+          </a:lnRef>
+          <a:fillRef idx="2">
+            <a:schemeClr val="accent1"/>
+          </a:fillRef>
+          <a:effectRef idx="1">
+            <a:schemeClr val="accent1"/>
+          </a:effectRef>
+          <a:fontRef idx="minor">
+            <a:schemeClr val="dk1"/>
+          </a:fontRef>
+        </p:style>
+        <p:txBody>
+          <a:bodyPr rtlCol="0" anchor="ctr"/>
+          <a:lstStyle/>
+          <a:p>
+            <a:pPr algn="ctr"/>
+            <a:r>
+              <a:rPr lang="ru-RU" dirty="0"/>
+              <a:t>Удалить работу</a:t>
+            </a:r>
+          </a:p>
+        </p:txBody>
+      </p:sp>
+      <p:sp>
+        <p:nvSpPr>
+          <p:cNvPr id="10" name="Прямоугольник 9">
+            <a:extLst>
+              <a:ext uri="{FF2B5EF4-FFF2-40B4-BE49-F238E27FC236}">
+                <a16:creationId xmlns:a16="http://schemas.microsoft.com/office/drawing/2014/main" id="{E5367985-6B15-4C0C-91E3-D8360900B230}"/>
+              </a:ext>
+            </a:extLst>
+          </p:cNvPr>
+          <p:cNvSpPr/>
+          <p:nvPr/>
+        </p:nvSpPr>
+        <p:spPr>
+          <a:xfrm>
+            <a:off x="4527609" y="3446587"/>
+            <a:ext cx="2475517" cy="539556"/>
+          </a:xfrm>
+          <a:prstGeom prst="rect">
+            <a:avLst/>
+          </a:prstGeom>
+        </p:spPr>
+        <p:style>
+          <a:lnRef idx="1">
+            <a:schemeClr val="accent1"/>
+          </a:lnRef>
+          <a:fillRef idx="2">
+            <a:schemeClr val="accent1"/>
+          </a:fillRef>
+          <a:effectRef idx="1">
+            <a:schemeClr val="accent1"/>
+          </a:effectRef>
+          <a:fontRef idx="minor">
+            <a:schemeClr val="dk1"/>
+          </a:fontRef>
+        </p:style>
+        <p:txBody>
+          <a:bodyPr rtlCol="0" anchor="ctr"/>
+          <a:lstStyle/>
+          <a:p>
+            <a:pPr algn="ctr"/>
+            <a:r>
+              <a:rPr lang="ru-RU" dirty="0"/>
+              <a:t>Изменить работу</a:t>
+            </a:r>
+          </a:p>
+        </p:txBody>
+      </p:sp>
+      <p:sp>
+        <p:nvSpPr>
+          <p:cNvPr id="11" name="Прямоугольник 10">
+            <a:extLst>
+              <a:ext uri="{FF2B5EF4-FFF2-40B4-BE49-F238E27FC236}">
+                <a16:creationId xmlns:a16="http://schemas.microsoft.com/office/drawing/2014/main" id="{A9FC7909-C960-4B27-9B4C-BBC6BC666402}"/>
+              </a:ext>
+            </a:extLst>
+          </p:cNvPr>
+          <p:cNvSpPr/>
+          <p:nvPr/>
+        </p:nvSpPr>
+        <p:spPr>
+          <a:xfrm>
+            <a:off x="4527611" y="2740906"/>
+            <a:ext cx="2475517" cy="539556"/>
+          </a:xfrm>
+          <a:prstGeom prst="rect">
+            <a:avLst/>
+          </a:prstGeom>
+        </p:spPr>
+        <p:style>
+          <a:lnRef idx="1">
+            <a:schemeClr val="accent1"/>
+          </a:lnRef>
+          <a:fillRef idx="2">
+            <a:schemeClr val="accent1"/>
+          </a:fillRef>
+          <a:effectRef idx="1">
+            <a:schemeClr val="accent1"/>
+          </a:effectRef>
+          <a:fontRef idx="minor">
+            <a:schemeClr val="dk1"/>
+          </a:fontRef>
+        </p:style>
+        <p:txBody>
+          <a:bodyPr rtlCol="0" anchor="ctr"/>
+          <a:lstStyle/>
+          <a:p>
+            <a:pPr algn="ctr"/>
+            <a:r>
+              <a:rPr lang="ru-RU" dirty="0"/>
+              <a:t>Добавить работу</a:t>
+            </a:r>
+          </a:p>
+        </p:txBody>
+      </p:sp>
+      <p:sp>
+        <p:nvSpPr>
+          <p:cNvPr id="12" name="Прямоугольник 11">
+            <a:extLst>
+              <a:ext uri="{FF2B5EF4-FFF2-40B4-BE49-F238E27FC236}">
+                <a16:creationId xmlns:a16="http://schemas.microsoft.com/office/drawing/2014/main" id="{12915997-0327-4162-9719-3E8B216ECE10}"/>
+              </a:ext>
+            </a:extLst>
+          </p:cNvPr>
+          <p:cNvSpPr/>
+          <p:nvPr/>
+        </p:nvSpPr>
+        <p:spPr>
+          <a:xfrm>
+            <a:off x="7982077" y="3373318"/>
+            <a:ext cx="2778710" cy="585365"/>
+          </a:xfrm>
+          <a:prstGeom prst="rect">
+            <a:avLst/>
+          </a:prstGeom>
+        </p:spPr>
+        <p:style>
+          <a:lnRef idx="1">
+            <a:schemeClr val="accent1"/>
+          </a:lnRef>
+          <a:fillRef idx="2">
+            <a:schemeClr val="accent1"/>
+          </a:fillRef>
+          <a:effectRef idx="1">
+            <a:schemeClr val="accent1"/>
+          </a:effectRef>
+          <a:fontRef idx="minor">
+            <a:schemeClr val="dk1"/>
+          </a:fontRef>
+        </p:style>
+        <p:txBody>
+          <a:bodyPr rtlCol="0" anchor="ctr"/>
+          <a:lstStyle/>
+          <a:p>
+            <a:pPr algn="ctr"/>
+            <a:r>
+              <a:rPr lang="ru-RU" dirty="0"/>
+              <a:t>Отказаться от работы</a:t>
+            </a:r>
+          </a:p>
+        </p:txBody>
+      </p:sp>
+      <p:sp>
+        <p:nvSpPr>
+          <p:cNvPr id="13" name="Прямоугольник 12">
+            <a:extLst>
+              <a:ext uri="{FF2B5EF4-FFF2-40B4-BE49-F238E27FC236}">
+                <a16:creationId xmlns:a16="http://schemas.microsoft.com/office/drawing/2014/main" id="{F3D84ADB-BAB3-450B-A6FB-D0C3D74C614F}"/>
+              </a:ext>
+            </a:extLst>
+          </p:cNvPr>
+          <p:cNvSpPr/>
+          <p:nvPr/>
+        </p:nvSpPr>
+        <p:spPr>
+          <a:xfrm>
+            <a:off x="7982077" y="4187073"/>
+            <a:ext cx="2778710" cy="585366"/>
+          </a:xfrm>
+          <a:prstGeom prst="rect">
+            <a:avLst/>
+          </a:prstGeom>
+        </p:spPr>
+        <p:style>
+          <a:lnRef idx="1">
+            <a:schemeClr val="accent1"/>
+          </a:lnRef>
+          <a:fillRef idx="2">
+            <a:schemeClr val="accent1"/>
+          </a:fillRef>
+          <a:effectRef idx="1">
+            <a:schemeClr val="accent1"/>
+          </a:effectRef>
+          <a:fontRef idx="minor">
+            <a:schemeClr val="dk1"/>
+          </a:fontRef>
+        </p:style>
+        <p:txBody>
+          <a:bodyPr rtlCol="0" anchor="ctr"/>
+          <a:lstStyle/>
+          <a:p>
+            <a:pPr algn="ctr"/>
+            <a:r>
+              <a:rPr lang="ru-RU" dirty="0"/>
+              <a:t>Взяться за работу</a:t>
+            </a:r>
+          </a:p>
+        </p:txBody>
+      </p:sp>
+      <p:sp>
+        <p:nvSpPr>
+          <p:cNvPr id="14" name="Прямоугольник 13">
+            <a:extLst>
+              <a:ext uri="{FF2B5EF4-FFF2-40B4-BE49-F238E27FC236}">
+                <a16:creationId xmlns:a16="http://schemas.microsoft.com/office/drawing/2014/main" id="{BCEEB99A-A91B-48A5-9308-5E50D939F0C9}"/>
+              </a:ext>
+            </a:extLst>
+          </p:cNvPr>
+          <p:cNvSpPr/>
+          <p:nvPr/>
+        </p:nvSpPr>
+        <p:spPr>
+          <a:xfrm>
+            <a:off x="877442" y="5412267"/>
+            <a:ext cx="2908122" cy="797509"/>
+          </a:xfrm>
+          <a:prstGeom prst="rect">
+            <a:avLst/>
+          </a:prstGeom>
+        </p:spPr>
+        <p:style>
+          <a:lnRef idx="1">
+            <a:schemeClr val="accent1"/>
+          </a:lnRef>
+          <a:fillRef idx="2">
+            <a:schemeClr val="accent1"/>
+          </a:fillRef>
+          <a:effectRef idx="1">
+            <a:schemeClr val="accent1"/>
+          </a:effectRef>
+          <a:fontRef idx="minor">
+            <a:schemeClr val="dk1"/>
+          </a:fontRef>
+        </p:style>
+        <p:txBody>
+          <a:bodyPr rtlCol="0" anchor="ctr"/>
+          <a:lstStyle/>
+          <a:p>
+            <a:pPr algn="ctr"/>
+            <a:r>
+              <a:rPr lang="ru-RU"/>
+              <a:t>Найти ближайшую работу</a:t>
+            </a:r>
+            <a:endParaRPr lang="ru-RU" dirty="0"/>
+          </a:p>
+        </p:txBody>
+      </p:sp>
+      <p:sp>
+        <p:nvSpPr>
+          <p:cNvPr id="15" name="Прямоугольник 14">
+            <a:extLst>
+              <a:ext uri="{FF2B5EF4-FFF2-40B4-BE49-F238E27FC236}">
+                <a16:creationId xmlns:a16="http://schemas.microsoft.com/office/drawing/2014/main" id="{1247D06E-B5A0-442E-AA71-395BEEBDCD6D}"/>
+              </a:ext>
+            </a:extLst>
+          </p:cNvPr>
+          <p:cNvSpPr/>
+          <p:nvPr/>
+        </p:nvSpPr>
+        <p:spPr>
+          <a:xfrm>
+            <a:off x="899568" y="4332450"/>
+            <a:ext cx="2885996" cy="804314"/>
+          </a:xfrm>
+          <a:prstGeom prst="rect">
+            <a:avLst/>
+          </a:prstGeom>
+        </p:spPr>
+        <p:style>
+          <a:lnRef idx="1">
+            <a:schemeClr val="accent1"/>
+          </a:lnRef>
+          <a:fillRef idx="2">
+            <a:schemeClr val="accent1"/>
+          </a:fillRef>
+          <a:effectRef idx="1">
+            <a:schemeClr val="accent1"/>
+          </a:effectRef>
+          <a:fontRef idx="minor">
+            <a:schemeClr val="dk1"/>
+          </a:fontRef>
+        </p:style>
+        <p:txBody>
+          <a:bodyPr rtlCol="0" anchor="ctr"/>
+          <a:lstStyle/>
+          <a:p>
+            <a:pPr algn="ctr"/>
+            <a:r>
+              <a:rPr lang="ru-RU" dirty="0"/>
+              <a:t>Отсортировать услуги</a:t>
+            </a:r>
+          </a:p>
+        </p:txBody>
+      </p:sp>
+      <p:sp>
+        <p:nvSpPr>
+          <p:cNvPr id="16" name="Прямоугольник 15">
+            <a:extLst>
+              <a:ext uri="{FF2B5EF4-FFF2-40B4-BE49-F238E27FC236}">
+                <a16:creationId xmlns:a16="http://schemas.microsoft.com/office/drawing/2014/main" id="{6D77003D-F460-4351-AE20-A13D21520388}"/>
+              </a:ext>
+            </a:extLst>
+          </p:cNvPr>
+          <p:cNvSpPr/>
+          <p:nvPr/>
+        </p:nvSpPr>
+        <p:spPr>
+          <a:xfrm>
+            <a:off x="899569" y="3194628"/>
+            <a:ext cx="2885996" cy="797511"/>
+          </a:xfrm>
+          <a:prstGeom prst="rect">
+            <a:avLst/>
+          </a:prstGeom>
+        </p:spPr>
+        <p:style>
+          <a:lnRef idx="1">
+            <a:schemeClr val="accent1"/>
+          </a:lnRef>
+          <a:fillRef idx="2">
+            <a:schemeClr val="accent1"/>
+          </a:fillRef>
+          <a:effectRef idx="1">
+            <a:schemeClr val="accent1"/>
+          </a:effectRef>
+          <a:fontRef idx="minor">
+            <a:schemeClr val="dk1"/>
+          </a:fontRef>
+        </p:style>
+        <p:txBody>
+          <a:bodyPr rtlCol="0" anchor="ctr"/>
+          <a:lstStyle/>
+          <a:p>
+            <a:pPr algn="ctr"/>
+            <a:r>
+              <a:rPr lang="ru-RU" dirty="0"/>
+              <a:t>Просмотреть список услуг</a:t>
+            </a:r>
+          </a:p>
+        </p:txBody>
+      </p:sp>
+      <p:sp>
+        <p:nvSpPr>
+          <p:cNvPr id="17" name="Прямоугольник 16">
+            <a:extLst>
+              <a:ext uri="{FF2B5EF4-FFF2-40B4-BE49-F238E27FC236}">
+                <a16:creationId xmlns:a16="http://schemas.microsoft.com/office/drawing/2014/main" id="{8A1AFC5F-086C-4C3F-95A2-65835B6F0F47}"/>
+              </a:ext>
+            </a:extLst>
+          </p:cNvPr>
+          <p:cNvSpPr/>
+          <p:nvPr/>
+        </p:nvSpPr>
+        <p:spPr>
+          <a:xfrm>
+            <a:off x="4080769" y="179874"/>
+            <a:ext cx="4030462" cy="1092344"/>
+          </a:xfrm>
+          <a:prstGeom prst="rect">
+            <a:avLst/>
+          </a:prstGeom>
+        </p:spPr>
+        <p:style>
+          <a:lnRef idx="2">
+            <a:schemeClr val="accent6"/>
+          </a:lnRef>
+          <a:fillRef idx="1">
+            <a:schemeClr val="lt1"/>
+          </a:fillRef>
+          <a:effectRef idx="0">
+            <a:schemeClr val="accent6"/>
+          </a:effectRef>
+          <a:fontRef idx="minor">
+            <a:schemeClr val="dk1"/>
+          </a:fontRef>
+        </p:style>
+        <p:txBody>
+          <a:bodyPr rtlCol="0" anchor="ctr"/>
+          <a:lstStyle/>
+          <a:p>
+            <a:pPr algn="ctr"/>
+            <a:r>
+              <a:rPr lang="ru-RU" sz="4800" b="1" dirty="0">
+                <a:ln w="22225">
+                  <a:solidFill>
+                    <a:schemeClr val="accent2"/>
+                  </a:solidFill>
+                  <a:prstDash val="solid"/>
+                </a:ln>
+                <a:solidFill>
+                  <a:schemeClr val="accent2">
+                    <a:lumMod val="40000"/>
+                    <a:lumOff val="60000"/>
+                  </a:schemeClr>
+                </a:solidFill>
+              </a:rPr>
+              <a:t>Функционал</a:t>
+            </a:r>
+          </a:p>
+        </p:txBody>
+      </p:sp>
+      <p:cxnSp>
+        <p:nvCxnSpPr>
+          <p:cNvPr id="35" name="Соединитель: уступ 34">
+            <a:extLst>
+              <a:ext uri="{FF2B5EF4-FFF2-40B4-BE49-F238E27FC236}">
+                <a16:creationId xmlns:a16="http://schemas.microsoft.com/office/drawing/2014/main" id="{C2E52EBD-0718-4124-B737-268D501E1DAF}"/>
+              </a:ext>
+            </a:extLst>
+          </p:cNvPr>
+          <p:cNvCxnSpPr>
+            <a:stCxn id="17" idx="2"/>
+            <a:endCxn id="14" idx="1"/>
+          </p:cNvCxnSpPr>
+          <p:nvPr/>
+        </p:nvCxnSpPr>
+        <p:spPr>
+          <a:xfrm rot="5400000">
+            <a:off x="1217319" y="932341"/>
+            <a:ext cx="4538804" cy="5218558"/>
+          </a:xfrm>
+          <a:prstGeom prst="bentConnector4">
+            <a:avLst>
+              <a:gd name="adj1" fmla="val 7662"/>
+              <a:gd name="adj2" fmla="val 111526"/>
+            </a:avLst>
+          </a:prstGeom>
+        </p:spPr>
+        <p:style>
+          <a:lnRef idx="1">
+            <a:schemeClr val="accent1"/>
+          </a:lnRef>
+          <a:fillRef idx="0">
+            <a:schemeClr val="accent1"/>
+          </a:fillRef>
+          <a:effectRef idx="0">
+            <a:schemeClr val="accent1"/>
+          </a:effectRef>
+          <a:fontRef idx="minor">
+            <a:schemeClr val="tx1"/>
+          </a:fontRef>
+        </p:style>
+      </p:cxnSp>
+      <p:cxnSp>
+        <p:nvCxnSpPr>
+          <p:cNvPr id="41" name="Прямая соединительная линия 40">
+            <a:extLst>
+              <a:ext uri="{FF2B5EF4-FFF2-40B4-BE49-F238E27FC236}">
+                <a16:creationId xmlns:a16="http://schemas.microsoft.com/office/drawing/2014/main" id="{B33EE362-9893-4EBE-8A40-59FC5A3D6FC3}"/>
+              </a:ext>
+            </a:extLst>
+          </p:cNvPr>
+          <p:cNvCxnSpPr>
+            <a:stCxn id="15" idx="1"/>
+          </p:cNvCxnSpPr>
+          <p:nvPr/>
+        </p:nvCxnSpPr>
+        <p:spPr>
+          <a:xfrm flipH="1" flipV="1">
+            <a:off x="275208" y="4731798"/>
+            <a:ext cx="624360" cy="2809"/>
+          </a:xfrm>
+          <a:prstGeom prst="line">
+            <a:avLst/>
+          </a:prstGeom>
+        </p:spPr>
+        <p:style>
+          <a:lnRef idx="1">
+            <a:schemeClr val="accent1"/>
+          </a:lnRef>
+          <a:fillRef idx="0">
+            <a:schemeClr val="accent1"/>
+          </a:fillRef>
+          <a:effectRef idx="0">
+            <a:schemeClr val="accent1"/>
+          </a:effectRef>
+          <a:fontRef idx="minor">
+            <a:schemeClr val="tx1"/>
+          </a:fontRef>
+        </p:style>
+      </p:cxnSp>
+      <p:cxnSp>
+        <p:nvCxnSpPr>
+          <p:cNvPr id="45" name="Прямая соединительная линия 44">
+            <a:extLst>
+              <a:ext uri="{FF2B5EF4-FFF2-40B4-BE49-F238E27FC236}">
+                <a16:creationId xmlns:a16="http://schemas.microsoft.com/office/drawing/2014/main" id="{DCFD9EC2-4852-43B5-B6A6-12B0486829FC}"/>
+              </a:ext>
+            </a:extLst>
+          </p:cNvPr>
+          <p:cNvCxnSpPr>
+            <a:cxnSpLocks/>
+            <a:stCxn id="16" idx="1"/>
+          </p:cNvCxnSpPr>
+          <p:nvPr/>
+        </p:nvCxnSpPr>
+        <p:spPr>
+          <a:xfrm flipH="1" flipV="1">
+            <a:off x="269677" y="3593383"/>
+            <a:ext cx="629892" cy="1"/>
+          </a:xfrm>
+          <a:prstGeom prst="line">
+            <a:avLst/>
+          </a:prstGeom>
+        </p:spPr>
+        <p:style>
+          <a:lnRef idx="1">
+            <a:schemeClr val="accent1"/>
+          </a:lnRef>
+          <a:fillRef idx="0">
+            <a:schemeClr val="accent1"/>
+          </a:fillRef>
+          <a:effectRef idx="0">
+            <a:schemeClr val="accent1"/>
+          </a:effectRef>
+          <a:fontRef idx="minor">
+            <a:schemeClr val="tx1"/>
+          </a:fontRef>
+        </p:style>
+      </p:cxnSp>
+      <p:cxnSp>
+        <p:nvCxnSpPr>
+          <p:cNvPr id="48" name="Прямая соединительная линия 47">
+            <a:extLst>
+              <a:ext uri="{FF2B5EF4-FFF2-40B4-BE49-F238E27FC236}">
+                <a16:creationId xmlns:a16="http://schemas.microsoft.com/office/drawing/2014/main" id="{9C827785-CE15-4ED1-8F38-8FF4B7DAED96}"/>
+              </a:ext>
+            </a:extLst>
+          </p:cNvPr>
+          <p:cNvCxnSpPr>
+            <a:cxnSpLocks/>
+            <a:stCxn id="7" idx="1"/>
+          </p:cNvCxnSpPr>
+          <p:nvPr/>
+        </p:nvCxnSpPr>
+        <p:spPr>
+          <a:xfrm flipH="1">
+            <a:off x="269677" y="2455563"/>
+            <a:ext cx="629891" cy="0"/>
+          </a:xfrm>
+          <a:prstGeom prst="line">
+            <a:avLst/>
+          </a:prstGeom>
+        </p:spPr>
+        <p:style>
+          <a:lnRef idx="1">
+            <a:schemeClr val="accent1"/>
+          </a:lnRef>
+          <a:fillRef idx="0">
+            <a:schemeClr val="accent1"/>
+          </a:fillRef>
+          <a:effectRef idx="0">
+            <a:schemeClr val="accent1"/>
+          </a:effectRef>
+          <a:fontRef idx="minor">
+            <a:schemeClr val="tx1"/>
+          </a:fontRef>
+        </p:style>
+      </p:cxnSp>
+      <p:sp>
+        <p:nvSpPr>
+          <p:cNvPr id="52" name="Прямоугольник 51">
+            <a:extLst>
+              <a:ext uri="{FF2B5EF4-FFF2-40B4-BE49-F238E27FC236}">
+                <a16:creationId xmlns:a16="http://schemas.microsoft.com/office/drawing/2014/main" id="{F128DF52-B856-4508-A156-2408D3B9CB70}"/>
+              </a:ext>
+            </a:extLst>
+          </p:cNvPr>
+          <p:cNvSpPr/>
+          <p:nvPr/>
+        </p:nvSpPr>
+        <p:spPr>
+          <a:xfrm>
+            <a:off x="4224419" y="1879394"/>
+            <a:ext cx="2778710" cy="609268"/>
+          </a:xfrm>
+          <a:prstGeom prst="rect">
+            <a:avLst/>
+          </a:prstGeom>
+        </p:spPr>
+        <p:style>
+          <a:lnRef idx="1">
+            <a:schemeClr val="accent6"/>
+          </a:lnRef>
+          <a:fillRef idx="2">
+            <a:schemeClr val="accent6"/>
+          </a:fillRef>
+          <a:effectRef idx="1">
+            <a:schemeClr val="accent6"/>
+          </a:effectRef>
+          <a:fontRef idx="minor">
+            <a:schemeClr val="dk1"/>
+          </a:fontRef>
+        </p:style>
+        <p:txBody>
+          <a:bodyPr rtlCol="0" anchor="ctr"/>
+          <a:lstStyle/>
+          <a:p>
+            <a:pPr algn="ctr"/>
+            <a:r>
+              <a:rPr lang="ru-RU" dirty="0"/>
+              <a:t>Работодатель</a:t>
+            </a:r>
+          </a:p>
+        </p:txBody>
+      </p:sp>
+      <p:cxnSp>
+        <p:nvCxnSpPr>
+          <p:cNvPr id="54" name="Соединитель: уступ 53">
+            <a:extLst>
+              <a:ext uri="{FF2B5EF4-FFF2-40B4-BE49-F238E27FC236}">
+                <a16:creationId xmlns:a16="http://schemas.microsoft.com/office/drawing/2014/main" id="{6FBDB3D3-B3F3-4037-9CC6-441A523CB476}"/>
+              </a:ext>
+            </a:extLst>
+          </p:cNvPr>
+          <p:cNvCxnSpPr>
+            <a:stCxn id="17" idx="2"/>
+            <a:endCxn id="52" idx="0"/>
+          </p:cNvCxnSpPr>
+          <p:nvPr/>
+        </p:nvCxnSpPr>
+        <p:spPr>
+          <a:xfrm rot="5400000">
+            <a:off x="5551299" y="1334693"/>
+            <a:ext cx="607176" cy="482226"/>
+          </a:xfrm>
+          <a:prstGeom prst="bentConnector3">
+            <a:avLst>
+              <a:gd name="adj1" fmla="val 77780"/>
+            </a:avLst>
+          </a:prstGeom>
+        </p:spPr>
+        <p:style>
+          <a:lnRef idx="1">
+            <a:schemeClr val="accent1"/>
+          </a:lnRef>
+          <a:fillRef idx="0">
+            <a:schemeClr val="accent1"/>
+          </a:fillRef>
+          <a:effectRef idx="0">
+            <a:schemeClr val="accent1"/>
+          </a:effectRef>
+          <a:fontRef idx="minor">
+            <a:schemeClr val="tx1"/>
+          </a:fontRef>
+        </p:style>
+      </p:cxnSp>
+      <p:cxnSp>
+        <p:nvCxnSpPr>
+          <p:cNvPr id="57" name="Соединитель: уступ 56">
+            <a:extLst>
+              <a:ext uri="{FF2B5EF4-FFF2-40B4-BE49-F238E27FC236}">
+                <a16:creationId xmlns:a16="http://schemas.microsoft.com/office/drawing/2014/main" id="{F2F64CD0-18D1-47FC-B938-303F70B1CFEA}"/>
+              </a:ext>
+            </a:extLst>
+          </p:cNvPr>
+          <p:cNvCxnSpPr>
+            <a:stCxn id="52" idx="2"/>
+            <a:endCxn id="9" idx="1"/>
+          </p:cNvCxnSpPr>
+          <p:nvPr/>
+        </p:nvCxnSpPr>
+        <p:spPr>
+          <a:xfrm rot="5400000">
+            <a:off x="4086972" y="2935218"/>
+            <a:ext cx="1973358" cy="1080247"/>
+          </a:xfrm>
+          <a:prstGeom prst="bentConnector4">
+            <a:avLst>
+              <a:gd name="adj1" fmla="val 6724"/>
+              <a:gd name="adj2" fmla="val 121162"/>
+            </a:avLst>
+          </a:prstGeom>
+        </p:spPr>
+        <p:style>
+          <a:lnRef idx="1">
+            <a:schemeClr val="accent1"/>
+          </a:lnRef>
+          <a:fillRef idx="0">
+            <a:schemeClr val="accent1"/>
+          </a:fillRef>
+          <a:effectRef idx="0">
+            <a:schemeClr val="accent1"/>
+          </a:effectRef>
+          <a:fontRef idx="minor">
+            <a:schemeClr val="tx1"/>
+          </a:fontRef>
+        </p:style>
+      </p:cxnSp>
+      <p:cxnSp>
+        <p:nvCxnSpPr>
+          <p:cNvPr id="60" name="Прямая соединительная линия 59">
+            <a:extLst>
+              <a:ext uri="{FF2B5EF4-FFF2-40B4-BE49-F238E27FC236}">
+                <a16:creationId xmlns:a16="http://schemas.microsoft.com/office/drawing/2014/main" id="{0C91C7BC-D9DB-4F7F-82B9-57699B9A1E36}"/>
+              </a:ext>
+            </a:extLst>
+          </p:cNvPr>
+          <p:cNvCxnSpPr>
+            <a:cxnSpLocks/>
+            <a:stCxn id="10" idx="1"/>
+          </p:cNvCxnSpPr>
+          <p:nvPr/>
+        </p:nvCxnSpPr>
+        <p:spPr>
+          <a:xfrm flipH="1">
+            <a:off x="4314548" y="3716365"/>
+            <a:ext cx="213061" cy="0"/>
+          </a:xfrm>
+          <a:prstGeom prst="line">
+            <a:avLst/>
+          </a:prstGeom>
+        </p:spPr>
+        <p:style>
+          <a:lnRef idx="1">
+            <a:schemeClr val="accent1"/>
+          </a:lnRef>
+          <a:fillRef idx="0">
+            <a:schemeClr val="accent1"/>
+          </a:fillRef>
+          <a:effectRef idx="0">
+            <a:schemeClr val="accent1"/>
+          </a:effectRef>
+          <a:fontRef idx="minor">
+            <a:schemeClr val="tx1"/>
+          </a:fontRef>
+        </p:style>
+      </p:cxnSp>
+      <p:cxnSp>
+        <p:nvCxnSpPr>
+          <p:cNvPr id="62" name="Прямая соединительная линия 61">
+            <a:extLst>
+              <a:ext uri="{FF2B5EF4-FFF2-40B4-BE49-F238E27FC236}">
+                <a16:creationId xmlns:a16="http://schemas.microsoft.com/office/drawing/2014/main" id="{E0EC868B-DECD-4A29-89BE-7A50C257C78E}"/>
+              </a:ext>
+            </a:extLst>
+          </p:cNvPr>
+          <p:cNvCxnSpPr>
+            <a:stCxn id="11" idx="1"/>
+          </p:cNvCxnSpPr>
+          <p:nvPr/>
+        </p:nvCxnSpPr>
+        <p:spPr>
+          <a:xfrm flipH="1">
+            <a:off x="4314548" y="3010684"/>
+            <a:ext cx="213063" cy="0"/>
+          </a:xfrm>
+          <a:prstGeom prst="line">
+            <a:avLst/>
+          </a:prstGeom>
+        </p:spPr>
+        <p:style>
+          <a:lnRef idx="1">
+            <a:schemeClr val="accent1"/>
+          </a:lnRef>
+          <a:fillRef idx="0">
+            <a:schemeClr val="accent1"/>
+          </a:fillRef>
+          <a:effectRef idx="0">
+            <a:schemeClr val="accent1"/>
+          </a:effectRef>
+          <a:fontRef idx="minor">
+            <a:schemeClr val="tx1"/>
+          </a:fontRef>
+        </p:style>
+      </p:cxnSp>
+      <p:sp>
+        <p:nvSpPr>
+          <p:cNvPr id="64" name="Прямоугольник 63">
+            <a:extLst>
+              <a:ext uri="{FF2B5EF4-FFF2-40B4-BE49-F238E27FC236}">
+                <a16:creationId xmlns:a16="http://schemas.microsoft.com/office/drawing/2014/main" id="{3B3D93CB-1C40-4159-9188-062397D258E1}"/>
+              </a:ext>
+            </a:extLst>
+          </p:cNvPr>
+          <p:cNvSpPr/>
+          <p:nvPr/>
+        </p:nvSpPr>
+        <p:spPr>
+          <a:xfrm>
+            <a:off x="8305425" y="2446807"/>
+            <a:ext cx="2455362" cy="540305"/>
+          </a:xfrm>
+          <a:prstGeom prst="rect">
+            <a:avLst/>
+          </a:prstGeom>
+        </p:spPr>
+        <p:style>
+          <a:lnRef idx="1">
+            <a:schemeClr val="accent6"/>
+          </a:lnRef>
+          <a:fillRef idx="2">
+            <a:schemeClr val="accent6"/>
+          </a:fillRef>
+          <a:effectRef idx="1">
+            <a:schemeClr val="accent6"/>
+          </a:effectRef>
+          <a:fontRef idx="minor">
+            <a:schemeClr val="dk1"/>
+          </a:fontRef>
+        </p:style>
+        <p:txBody>
+          <a:bodyPr rtlCol="0" anchor="ctr"/>
+          <a:lstStyle/>
+          <a:p>
+            <a:pPr algn="ctr"/>
+            <a:r>
+              <a:rPr lang="ru-RU" dirty="0"/>
+              <a:t>Рабочий</a:t>
+            </a:r>
+          </a:p>
+        </p:txBody>
+      </p:sp>
+      <p:cxnSp>
+        <p:nvCxnSpPr>
+          <p:cNvPr id="66" name="Соединитель: уступ 65">
+            <a:extLst>
+              <a:ext uri="{FF2B5EF4-FFF2-40B4-BE49-F238E27FC236}">
+                <a16:creationId xmlns:a16="http://schemas.microsoft.com/office/drawing/2014/main" id="{EEA9197C-8867-4A0E-AC64-B1A9968CD017}"/>
+              </a:ext>
+            </a:extLst>
+          </p:cNvPr>
+          <p:cNvCxnSpPr>
+            <a:stCxn id="17" idx="2"/>
+            <a:endCxn id="64" idx="3"/>
+          </p:cNvCxnSpPr>
+          <p:nvPr/>
+        </p:nvCxnSpPr>
+        <p:spPr>
+          <a:xfrm rot="16200000" flipH="1">
+            <a:off x="7706022" y="-337805"/>
+            <a:ext cx="1444742" cy="4664787"/>
+          </a:xfrm>
+          <a:prstGeom prst="bentConnector4">
+            <a:avLst>
+              <a:gd name="adj1" fmla="val 11155"/>
+              <a:gd name="adj2" fmla="val 104901"/>
+            </a:avLst>
+          </a:prstGeom>
+        </p:spPr>
+        <p:style>
+          <a:lnRef idx="1">
+            <a:schemeClr val="accent1"/>
+          </a:lnRef>
+          <a:fillRef idx="0">
+            <a:schemeClr val="accent1"/>
+          </a:fillRef>
+          <a:effectRef idx="0">
+            <a:schemeClr val="accent1"/>
+          </a:effectRef>
+          <a:fontRef idx="minor">
+            <a:schemeClr val="tx1"/>
+          </a:fontRef>
+        </p:style>
+      </p:cxnSp>
+      <p:cxnSp>
+        <p:nvCxnSpPr>
+          <p:cNvPr id="69" name="Соединитель: уступ 68">
+            <a:extLst>
+              <a:ext uri="{FF2B5EF4-FFF2-40B4-BE49-F238E27FC236}">
+                <a16:creationId xmlns:a16="http://schemas.microsoft.com/office/drawing/2014/main" id="{CA883955-7EA4-413E-8392-3AE2C5D4A87D}"/>
+              </a:ext>
+            </a:extLst>
+          </p:cNvPr>
+          <p:cNvCxnSpPr>
+            <a:stCxn id="64" idx="2"/>
+            <a:endCxn id="13" idx="3"/>
+          </p:cNvCxnSpPr>
+          <p:nvPr/>
+        </p:nvCxnSpPr>
+        <p:spPr>
+          <a:xfrm rot="16200000" flipH="1">
+            <a:off x="9400624" y="3119593"/>
+            <a:ext cx="1492644" cy="1227681"/>
+          </a:xfrm>
+          <a:prstGeom prst="bentConnector4">
+            <a:avLst>
+              <a:gd name="adj1" fmla="val 14026"/>
+              <a:gd name="adj2" fmla="val 118620"/>
+            </a:avLst>
+          </a:prstGeom>
+        </p:spPr>
+        <p:style>
+          <a:lnRef idx="1">
+            <a:schemeClr val="accent1"/>
+          </a:lnRef>
+          <a:fillRef idx="0">
+            <a:schemeClr val="accent1"/>
+          </a:fillRef>
+          <a:effectRef idx="0">
+            <a:schemeClr val="accent1"/>
+          </a:effectRef>
+          <a:fontRef idx="minor">
+            <a:schemeClr val="tx1"/>
+          </a:fontRef>
+        </p:style>
+      </p:cxnSp>
+      <p:cxnSp>
+        <p:nvCxnSpPr>
+          <p:cNvPr id="72" name="Прямая соединительная линия 71">
+            <a:extLst>
+              <a:ext uri="{FF2B5EF4-FFF2-40B4-BE49-F238E27FC236}">
+                <a16:creationId xmlns:a16="http://schemas.microsoft.com/office/drawing/2014/main" id="{62377018-7DFA-4397-B3E7-0D520064EF07}"/>
+              </a:ext>
+            </a:extLst>
+          </p:cNvPr>
+          <p:cNvCxnSpPr>
+            <a:cxnSpLocks/>
+            <a:stCxn id="12" idx="3"/>
+          </p:cNvCxnSpPr>
+          <p:nvPr/>
+        </p:nvCxnSpPr>
+        <p:spPr>
+          <a:xfrm>
+            <a:off x="10760787" y="3666001"/>
+            <a:ext cx="238646" cy="0"/>
+          </a:xfrm>
+          <a:prstGeom prst="line">
+            <a:avLst/>
+          </a:prstGeom>
+        </p:spPr>
+        <p:style>
+          <a:lnRef idx="1">
+            <a:schemeClr val="accent1"/>
+          </a:lnRef>
+          <a:fillRef idx="0">
+            <a:schemeClr val="accent1"/>
+          </a:fillRef>
+          <a:effectRef idx="0">
+            <a:schemeClr val="accent1"/>
+          </a:effectRef>
+          <a:fontRef idx="minor">
+            <a:schemeClr val="tx1"/>
+          </a:fontRef>
+        </p:style>
+      </p:cxnSp>
+      <p:cxnSp>
+        <p:nvCxnSpPr>
+          <p:cNvPr id="78" name="Соединитель: уступ 77">
+            <a:extLst>
+              <a:ext uri="{FF2B5EF4-FFF2-40B4-BE49-F238E27FC236}">
+                <a16:creationId xmlns:a16="http://schemas.microsoft.com/office/drawing/2014/main" id="{3EEF78E4-1070-4DC9-93C7-839C2F2997C6}"/>
+              </a:ext>
+            </a:extLst>
+          </p:cNvPr>
+          <p:cNvCxnSpPr>
+            <a:stCxn id="17" idx="2"/>
+            <a:endCxn id="8" idx="0"/>
+          </p:cNvCxnSpPr>
+          <p:nvPr/>
+        </p:nvCxnSpPr>
+        <p:spPr>
+          <a:xfrm rot="16200000" flipH="1">
+            <a:off x="4794444" y="2573774"/>
+            <a:ext cx="3902350" cy="1299238"/>
+          </a:xfrm>
+          <a:prstGeom prst="bentConnector3">
+            <a:avLst>
+              <a:gd name="adj1" fmla="val 6548"/>
+            </a:avLst>
+          </a:prstGeom>
+        </p:spPr>
+        <p:style>
+          <a:lnRef idx="1">
+            <a:schemeClr val="accent1"/>
+          </a:lnRef>
+          <a:fillRef idx="0">
+            <a:schemeClr val="accent1"/>
+          </a:fillRef>
+          <a:effectRef idx="0">
+            <a:schemeClr val="accent1"/>
+          </a:effectRef>
+          <a:fontRef idx="minor">
+            <a:schemeClr val="tx1"/>
+          </a:fontRef>
+        </p:style>
+      </p:cxnSp>
+    </p:spTree>
+    <p:extLst>
+      <p:ext uri="{BB962C8B-B14F-4D97-AF65-F5344CB8AC3E}">
+        <p14:creationId xmlns:p14="http://schemas.microsoft.com/office/powerpoint/2010/main" val="3563491741"/>
+      </p:ext>
+    </p:extLst>
+  </p:cSld>
+  <p:clrMapOvr>
+    <a:masterClrMapping/>
+  </p:clrMapOvr>
+</p:sld>
+</file>
+
+<file path=ppt/slides/slide7.xml><?xml version="1.0" encoding="utf-8"?>
+<p:sld xmlns:a="http://schemas.openxmlformats.org/drawingml/2006/main" xmlns:r="http://schemas.openxmlformats.org/officeDocument/2006/relationships" xmlns:p="http://schemas.openxmlformats.org/presentationml/2006/main">
+  <p:cSld>
+    <p:spTree>
+      <p:nvGrpSpPr>
+        <p:cNvPr id="1" name=""/>
+        <p:cNvGrpSpPr/>
+        <p:nvPr/>
+      </p:nvGrpSpPr>
+      <p:grpSpPr>
+        <a:xfrm>
+          <a:off x="0" y="0"/>
+          <a:ext cx="0" cy="0"/>
+          <a:chOff x="0" y="0"/>
+          <a:chExt cx="0" cy="0"/>
+        </a:xfrm>
+      </p:grpSpPr>
+      <p:sp>
+        <p:nvSpPr>
+          <p:cNvPr id="2" name="Заголовок 1">
+            <a:extLst>
+              <a:ext uri="{FF2B5EF4-FFF2-40B4-BE49-F238E27FC236}">
+                <a16:creationId xmlns:a16="http://schemas.microsoft.com/office/drawing/2014/main" id="{8950E59E-03DA-4949-AB35-95D9B8C7E3F3}"/>
+              </a:ext>
+            </a:extLst>
+          </p:cNvPr>
+          <p:cNvSpPr>
+            <a:spLocks noGrp="1"/>
+          </p:cNvSpPr>
+          <p:nvPr>
+            <p:ph type="title"/>
+          </p:nvPr>
+        </p:nvSpPr>
+        <p:spPr>
+          <a:xfrm>
+            <a:off x="1097280" y="286603"/>
+            <a:ext cx="10058400" cy="1341781"/>
+          </a:xfrm>
+        </p:spPr>
+        <p:txBody>
+          <a:bodyPr/>
+          <a:lstStyle/>
+          <a:p>
+            <a:r>
+              <a:rPr lang="ru-RU" dirty="0">
+                <a:solidFill>
+                  <a:schemeClr val="tx1"/>
+                </a:solidFill>
+              </a:rPr>
+              <a:t>Структура</a:t>
+            </a:r>
+          </a:p>
+        </p:txBody>
+      </p:sp>
+      <p:sp>
+        <p:nvSpPr>
+          <p:cNvPr id="6" name="Прямоугольник 5">
+            <a:extLst>
+              <a:ext uri="{FF2B5EF4-FFF2-40B4-BE49-F238E27FC236}">
+                <a16:creationId xmlns:a16="http://schemas.microsoft.com/office/drawing/2014/main" id="{9EAD7102-FB95-4F7D-9A67-F05F39A8CDE5}"/>
+              </a:ext>
+            </a:extLst>
+          </p:cNvPr>
+          <p:cNvSpPr/>
+          <p:nvPr/>
+        </p:nvSpPr>
+        <p:spPr>
+          <a:xfrm>
+            <a:off x="1905148" y="2176437"/>
+            <a:ext cx="1961965" cy="754602"/>
+          </a:xfrm>
+          <a:prstGeom prst="rect">
+            <a:avLst/>
+          </a:prstGeom>
+        </p:spPr>
+        <p:style>
+          <a:lnRef idx="1">
+            <a:schemeClr val="accent6"/>
+          </a:lnRef>
+          <a:fillRef idx="3">
+            <a:schemeClr val="accent6"/>
+          </a:fillRef>
+          <a:effectRef idx="2">
+            <a:schemeClr val="accent6"/>
+          </a:effectRef>
+          <a:fontRef idx="minor">
+            <a:schemeClr val="lt1"/>
+          </a:fontRef>
+        </p:style>
+        <p:txBody>
+          <a:bodyPr rtlCol="0" anchor="ctr"/>
+          <a:lstStyle/>
+          <a:p>
+            <a:pPr algn="ctr"/>
+            <a:r>
+              <a:rPr lang="ru-RU" dirty="0"/>
+              <a:t>Обработчики запросов</a:t>
+            </a:r>
+          </a:p>
+        </p:txBody>
+      </p:sp>
+      <p:sp>
+        <p:nvSpPr>
+          <p:cNvPr id="8" name="Прямоугольник 7">
+            <a:extLst>
+              <a:ext uri="{FF2B5EF4-FFF2-40B4-BE49-F238E27FC236}">
+                <a16:creationId xmlns:a16="http://schemas.microsoft.com/office/drawing/2014/main" id="{F3C662EF-411C-49C0-94F4-0E52A12407A5}"/>
+              </a:ext>
+            </a:extLst>
+          </p:cNvPr>
+          <p:cNvSpPr/>
+          <p:nvPr/>
+        </p:nvSpPr>
+        <p:spPr>
+          <a:xfrm>
+            <a:off x="1905145" y="4226964"/>
+            <a:ext cx="1961965" cy="754602"/>
+          </a:xfrm>
+          <a:prstGeom prst="rect">
+            <a:avLst/>
+          </a:prstGeom>
+        </p:spPr>
+        <p:style>
+          <a:lnRef idx="1">
+            <a:schemeClr val="accent6"/>
+          </a:lnRef>
+          <a:fillRef idx="3">
+            <a:schemeClr val="accent6"/>
+          </a:fillRef>
+          <a:effectRef idx="2">
+            <a:schemeClr val="accent6"/>
+          </a:effectRef>
+          <a:fontRef idx="minor">
+            <a:schemeClr val="lt1"/>
+          </a:fontRef>
+        </p:style>
+        <p:txBody>
+          <a:bodyPr rtlCol="0" anchor="ctr"/>
+          <a:lstStyle/>
+          <a:p>
+            <a:pPr algn="ctr"/>
+            <a:r>
+              <a:rPr lang="ru-RU" dirty="0"/>
+              <a:t>Вспомогательные функции</a:t>
+            </a:r>
+          </a:p>
+        </p:txBody>
+      </p:sp>
+      <p:sp>
+        <p:nvSpPr>
+          <p:cNvPr id="9" name="Прямоугольник 8">
+            <a:extLst>
+              <a:ext uri="{FF2B5EF4-FFF2-40B4-BE49-F238E27FC236}">
+                <a16:creationId xmlns:a16="http://schemas.microsoft.com/office/drawing/2014/main" id="{7867BF81-26A7-445B-8010-F91C228039AE}"/>
+              </a:ext>
+            </a:extLst>
+          </p:cNvPr>
+          <p:cNvSpPr/>
+          <p:nvPr/>
+        </p:nvSpPr>
+        <p:spPr>
+          <a:xfrm>
+            <a:off x="1905146" y="3107599"/>
+            <a:ext cx="1961965" cy="583188"/>
+          </a:xfrm>
+          <a:prstGeom prst="rect">
+            <a:avLst/>
+          </a:prstGeom>
+        </p:spPr>
+        <p:style>
+          <a:lnRef idx="1">
+            <a:schemeClr val="accent6"/>
+          </a:lnRef>
+          <a:fillRef idx="3">
+            <a:schemeClr val="accent6"/>
+          </a:fillRef>
+          <a:effectRef idx="2">
+            <a:schemeClr val="accent6"/>
+          </a:effectRef>
+          <a:fontRef idx="minor">
+            <a:schemeClr val="lt1"/>
+          </a:fontRef>
+        </p:style>
+        <p:txBody>
+          <a:bodyPr rtlCol="0" anchor="ctr"/>
+          <a:lstStyle/>
+          <a:p>
+            <a:pPr algn="ctr"/>
+            <a:r>
+              <a:rPr lang="ru-RU" dirty="0"/>
+              <a:t>Классы</a:t>
+            </a:r>
+          </a:p>
+        </p:txBody>
+      </p:sp>
+      <p:sp>
+        <p:nvSpPr>
+          <p:cNvPr id="10" name="Прямоугольник 9">
+            <a:extLst>
+              <a:ext uri="{FF2B5EF4-FFF2-40B4-BE49-F238E27FC236}">
+                <a16:creationId xmlns:a16="http://schemas.microsoft.com/office/drawing/2014/main" id="{30FCEE4A-B1F0-440C-B35C-DC34F9AE1752}"/>
+              </a:ext>
+            </a:extLst>
+          </p:cNvPr>
+          <p:cNvSpPr/>
+          <p:nvPr/>
+        </p:nvSpPr>
+        <p:spPr>
+          <a:xfrm>
+            <a:off x="5677266" y="1987044"/>
+            <a:ext cx="2299317" cy="1127465"/>
+          </a:xfrm>
+          <a:prstGeom prst="rect">
+            <a:avLst/>
+          </a:prstGeom>
+        </p:spPr>
+        <p:style>
+          <a:lnRef idx="1">
+            <a:schemeClr val="accent5"/>
+          </a:lnRef>
+          <a:fillRef idx="3">
+            <a:schemeClr val="accent5"/>
+          </a:fillRef>
+          <a:effectRef idx="2">
+            <a:schemeClr val="accent5"/>
+          </a:effectRef>
+          <a:fontRef idx="minor">
+            <a:schemeClr val="lt1"/>
+          </a:fontRef>
+        </p:style>
+        <p:txBody>
+          <a:bodyPr rtlCol="0" anchor="ctr"/>
+          <a:lstStyle/>
+          <a:p>
+            <a:pPr algn="ctr"/>
+            <a:r>
+              <a:rPr lang="ru-RU" dirty="0"/>
+              <a:t>Отправка сообщений в </a:t>
+            </a:r>
+            <a:r>
+              <a:rPr lang="ru-RU" dirty="0" err="1"/>
+              <a:t>Вконтакте</a:t>
+            </a:r>
+            <a:endParaRPr lang="ru-RU" dirty="0"/>
+          </a:p>
+        </p:txBody>
+      </p:sp>
+      <p:sp>
+        <p:nvSpPr>
+          <p:cNvPr id="11" name="Прямоугольник 10">
+            <a:extLst>
+              <a:ext uri="{FF2B5EF4-FFF2-40B4-BE49-F238E27FC236}">
+                <a16:creationId xmlns:a16="http://schemas.microsoft.com/office/drawing/2014/main" id="{DAA583FF-F0BA-4B5A-94D3-37F82356F91D}"/>
+              </a:ext>
+            </a:extLst>
+          </p:cNvPr>
+          <p:cNvSpPr/>
+          <p:nvPr/>
+        </p:nvSpPr>
+        <p:spPr>
+          <a:xfrm>
+            <a:off x="5426623" y="5085950"/>
+            <a:ext cx="2093651" cy="1001698"/>
+          </a:xfrm>
+          <a:prstGeom prst="rect">
+            <a:avLst/>
+          </a:prstGeom>
+        </p:spPr>
+        <p:style>
+          <a:lnRef idx="1">
+            <a:schemeClr val="accent5"/>
+          </a:lnRef>
+          <a:fillRef idx="3">
+            <a:schemeClr val="accent5"/>
+          </a:fillRef>
+          <a:effectRef idx="2">
+            <a:schemeClr val="accent5"/>
+          </a:effectRef>
+          <a:fontRef idx="minor">
+            <a:schemeClr val="lt1"/>
+          </a:fontRef>
+        </p:style>
+        <p:txBody>
+          <a:bodyPr rtlCol="0" anchor="ctr"/>
+          <a:lstStyle/>
+          <a:p>
+            <a:pPr algn="ctr"/>
+            <a:r>
+              <a:rPr lang="ru-RU" dirty="0"/>
+              <a:t>Работа с картой и координатами</a:t>
+            </a:r>
+          </a:p>
+        </p:txBody>
+      </p:sp>
+      <p:sp>
+        <p:nvSpPr>
+          <p:cNvPr id="12" name="Прямоугольник 11">
+            <a:extLst>
+              <a:ext uri="{FF2B5EF4-FFF2-40B4-BE49-F238E27FC236}">
+                <a16:creationId xmlns:a16="http://schemas.microsoft.com/office/drawing/2014/main" id="{B0AF8137-05F1-4BA4-BF08-A6162DC7490B}"/>
+              </a:ext>
+            </a:extLst>
+          </p:cNvPr>
+          <p:cNvSpPr/>
+          <p:nvPr/>
+        </p:nvSpPr>
+        <p:spPr>
+          <a:xfrm>
+            <a:off x="7976583" y="4454181"/>
+            <a:ext cx="1825842" cy="921657"/>
+          </a:xfrm>
+          <a:prstGeom prst="rect">
+            <a:avLst/>
+          </a:prstGeom>
+        </p:spPr>
+        <p:style>
+          <a:lnRef idx="1">
+            <a:schemeClr val="accent5"/>
+          </a:lnRef>
+          <a:fillRef idx="3">
+            <a:schemeClr val="accent5"/>
+          </a:fillRef>
+          <a:effectRef idx="2">
+            <a:schemeClr val="accent5"/>
+          </a:effectRef>
+          <a:fontRef idx="minor">
+            <a:schemeClr val="lt1"/>
+          </a:fontRef>
+        </p:style>
+        <p:txBody>
+          <a:bodyPr rtlCol="0" anchor="ctr"/>
+          <a:lstStyle/>
+          <a:p>
+            <a:pPr algn="ctr"/>
+            <a:r>
+              <a:rPr lang="ru-RU" dirty="0"/>
+              <a:t>Сортировка данных</a:t>
+            </a:r>
+          </a:p>
+        </p:txBody>
+      </p:sp>
+      <p:sp>
+        <p:nvSpPr>
+          <p:cNvPr id="13" name="Прямоугольник 12">
+            <a:extLst>
+              <a:ext uri="{FF2B5EF4-FFF2-40B4-BE49-F238E27FC236}">
+                <a16:creationId xmlns:a16="http://schemas.microsoft.com/office/drawing/2014/main" id="{F13F3D97-8DBC-44D4-BAA2-4B2B00983F4B}"/>
+              </a:ext>
+            </a:extLst>
+          </p:cNvPr>
+          <p:cNvSpPr/>
+          <p:nvPr/>
+        </p:nvSpPr>
+        <p:spPr>
+          <a:xfrm>
+            <a:off x="8440594" y="3019319"/>
+            <a:ext cx="1895383" cy="998739"/>
+          </a:xfrm>
+          <a:prstGeom prst="rect">
+            <a:avLst/>
+          </a:prstGeom>
+        </p:spPr>
+        <p:style>
+          <a:lnRef idx="1">
+            <a:schemeClr val="accent5"/>
+          </a:lnRef>
+          <a:fillRef idx="3">
+            <a:schemeClr val="accent5"/>
+          </a:fillRef>
+          <a:effectRef idx="2">
+            <a:schemeClr val="accent5"/>
+          </a:effectRef>
+          <a:fontRef idx="minor">
+            <a:schemeClr val="lt1"/>
+          </a:fontRef>
+        </p:style>
+        <p:txBody>
+          <a:bodyPr rtlCol="0" anchor="ctr"/>
+          <a:lstStyle/>
+          <a:p>
+            <a:pPr algn="ctr"/>
+            <a:r>
+              <a:rPr lang="ru-RU" dirty="0"/>
+              <a:t>Подключение к базе данных</a:t>
+            </a:r>
+          </a:p>
+        </p:txBody>
+      </p:sp>
+      <p:cxnSp>
+        <p:nvCxnSpPr>
+          <p:cNvPr id="15" name="Прямая соединительная линия 14">
+            <a:extLst>
+              <a:ext uri="{FF2B5EF4-FFF2-40B4-BE49-F238E27FC236}">
+                <a16:creationId xmlns:a16="http://schemas.microsoft.com/office/drawing/2014/main" id="{180DD86A-142D-4A0A-911A-1194CF3579DF}"/>
+              </a:ext>
+            </a:extLst>
+          </p:cNvPr>
+          <p:cNvCxnSpPr>
+            <a:stCxn id="6" idx="2"/>
+            <a:endCxn id="9" idx="0"/>
+          </p:cNvCxnSpPr>
+          <p:nvPr/>
+        </p:nvCxnSpPr>
+        <p:spPr>
+          <a:xfrm flipH="1">
+            <a:off x="2886129" y="2931039"/>
+            <a:ext cx="2" cy="176560"/>
+          </a:xfrm>
+          <a:prstGeom prst="line">
+            <a:avLst/>
+          </a:prstGeom>
+        </p:spPr>
+        <p:style>
+          <a:lnRef idx="3">
+            <a:schemeClr val="accent2"/>
+          </a:lnRef>
+          <a:fillRef idx="0">
+            <a:schemeClr val="accent2"/>
+          </a:fillRef>
+          <a:effectRef idx="2">
+            <a:schemeClr val="accent2"/>
+          </a:effectRef>
+          <a:fontRef idx="minor">
+            <a:schemeClr val="tx1"/>
+          </a:fontRef>
+        </p:style>
+      </p:cxnSp>
+      <p:cxnSp>
+        <p:nvCxnSpPr>
+          <p:cNvPr id="17" name="Прямая соединительная линия 16">
+            <a:extLst>
+              <a:ext uri="{FF2B5EF4-FFF2-40B4-BE49-F238E27FC236}">
+                <a16:creationId xmlns:a16="http://schemas.microsoft.com/office/drawing/2014/main" id="{DAE26A70-BD57-4B4B-A49C-C81B831D69E5}"/>
+              </a:ext>
+            </a:extLst>
+          </p:cNvPr>
+          <p:cNvCxnSpPr>
+            <a:stCxn id="8" idx="0"/>
+            <a:endCxn id="9" idx="2"/>
+          </p:cNvCxnSpPr>
+          <p:nvPr/>
+        </p:nvCxnSpPr>
+        <p:spPr>
+          <a:xfrm flipV="1">
+            <a:off x="2886128" y="3690787"/>
+            <a:ext cx="1" cy="536177"/>
+          </a:xfrm>
+          <a:prstGeom prst="line">
+            <a:avLst/>
+          </a:prstGeom>
+        </p:spPr>
+        <p:style>
+          <a:lnRef idx="3">
+            <a:schemeClr val="accent2"/>
+          </a:lnRef>
+          <a:fillRef idx="0">
+            <a:schemeClr val="accent2"/>
+          </a:fillRef>
+          <a:effectRef idx="2">
+            <a:schemeClr val="accent2"/>
+          </a:effectRef>
+          <a:fontRef idx="minor">
+            <a:schemeClr val="tx1"/>
+          </a:fontRef>
+        </p:style>
+      </p:cxnSp>
+      <p:cxnSp>
+        <p:nvCxnSpPr>
+          <p:cNvPr id="19" name="Прямая соединительная линия 18">
+            <a:extLst>
+              <a:ext uri="{FF2B5EF4-FFF2-40B4-BE49-F238E27FC236}">
+                <a16:creationId xmlns:a16="http://schemas.microsoft.com/office/drawing/2014/main" id="{56865E4E-F56F-40ED-B48E-F34848A3B31A}"/>
+              </a:ext>
+            </a:extLst>
+          </p:cNvPr>
+          <p:cNvCxnSpPr>
+            <a:stCxn id="8" idx="3"/>
+            <a:endCxn id="10" idx="1"/>
+          </p:cNvCxnSpPr>
+          <p:nvPr/>
+        </p:nvCxnSpPr>
+        <p:spPr>
+          <a:xfrm flipV="1">
+            <a:off x="3867110" y="2550777"/>
+            <a:ext cx="1810156" cy="2053488"/>
+          </a:xfrm>
+          <a:prstGeom prst="line">
+            <a:avLst/>
+          </a:prstGeom>
+        </p:spPr>
+        <p:style>
+          <a:lnRef idx="3">
+            <a:schemeClr val="accent1"/>
+          </a:lnRef>
+          <a:fillRef idx="0">
+            <a:schemeClr val="accent1"/>
+          </a:fillRef>
+          <a:effectRef idx="2">
+            <a:schemeClr val="accent1"/>
+          </a:effectRef>
+          <a:fontRef idx="minor">
+            <a:schemeClr val="tx1"/>
+          </a:fontRef>
+        </p:style>
+      </p:cxnSp>
+      <p:cxnSp>
+        <p:nvCxnSpPr>
+          <p:cNvPr id="20" name="Прямая соединительная линия 19">
+            <a:extLst>
+              <a:ext uri="{FF2B5EF4-FFF2-40B4-BE49-F238E27FC236}">
+                <a16:creationId xmlns:a16="http://schemas.microsoft.com/office/drawing/2014/main" id="{1B19885C-83A2-4C82-8C0D-615B5209FB2C}"/>
+              </a:ext>
+            </a:extLst>
+          </p:cNvPr>
+          <p:cNvCxnSpPr>
+            <a:cxnSpLocks/>
+            <a:stCxn id="8" idx="3"/>
+            <a:endCxn id="13" idx="1"/>
+          </p:cNvCxnSpPr>
+          <p:nvPr/>
+        </p:nvCxnSpPr>
+        <p:spPr>
+          <a:xfrm flipV="1">
+            <a:off x="3867110" y="3518689"/>
+            <a:ext cx="4573484" cy="1085576"/>
+          </a:xfrm>
+          <a:prstGeom prst="line">
+            <a:avLst/>
+          </a:prstGeom>
+        </p:spPr>
+        <p:style>
+          <a:lnRef idx="3">
+            <a:schemeClr val="accent1"/>
+          </a:lnRef>
+          <a:fillRef idx="0">
+            <a:schemeClr val="accent1"/>
+          </a:fillRef>
+          <a:effectRef idx="2">
+            <a:schemeClr val="accent1"/>
+          </a:effectRef>
+          <a:fontRef idx="minor">
+            <a:schemeClr val="tx1"/>
+          </a:fontRef>
+        </p:style>
+      </p:cxnSp>
+      <p:cxnSp>
+        <p:nvCxnSpPr>
+          <p:cNvPr id="23" name="Прямая соединительная линия 22">
+            <a:extLst>
+              <a:ext uri="{FF2B5EF4-FFF2-40B4-BE49-F238E27FC236}">
+                <a16:creationId xmlns:a16="http://schemas.microsoft.com/office/drawing/2014/main" id="{23DA28BB-5936-4A70-A46C-4AE7F4F5DF70}"/>
+              </a:ext>
+            </a:extLst>
+          </p:cNvPr>
+          <p:cNvCxnSpPr>
+            <a:cxnSpLocks/>
+            <a:stCxn id="8" idx="3"/>
+            <a:endCxn id="12" idx="1"/>
+          </p:cNvCxnSpPr>
+          <p:nvPr/>
+        </p:nvCxnSpPr>
+        <p:spPr>
+          <a:xfrm>
+            <a:off x="3867110" y="4604265"/>
+            <a:ext cx="4109473" cy="310745"/>
+          </a:xfrm>
+          <a:prstGeom prst="line">
+            <a:avLst/>
+          </a:prstGeom>
+        </p:spPr>
+        <p:style>
+          <a:lnRef idx="3">
+            <a:schemeClr val="accent1"/>
+          </a:lnRef>
+          <a:fillRef idx="0">
+            <a:schemeClr val="accent1"/>
+          </a:fillRef>
+          <a:effectRef idx="2">
+            <a:schemeClr val="accent1"/>
+          </a:effectRef>
+          <a:fontRef idx="minor">
+            <a:schemeClr val="tx1"/>
+          </a:fontRef>
+        </p:style>
+      </p:cxnSp>
+      <p:cxnSp>
+        <p:nvCxnSpPr>
+          <p:cNvPr id="26" name="Прямая соединительная линия 25">
+            <a:extLst>
+              <a:ext uri="{FF2B5EF4-FFF2-40B4-BE49-F238E27FC236}">
+                <a16:creationId xmlns:a16="http://schemas.microsoft.com/office/drawing/2014/main" id="{6B0E2257-9F41-4ACA-B8DA-14FE4BB4943A}"/>
+              </a:ext>
+            </a:extLst>
+          </p:cNvPr>
+          <p:cNvCxnSpPr>
+            <a:cxnSpLocks/>
+            <a:stCxn id="8" idx="3"/>
+            <a:endCxn id="11" idx="1"/>
+          </p:cNvCxnSpPr>
+          <p:nvPr/>
+        </p:nvCxnSpPr>
+        <p:spPr>
+          <a:xfrm>
+            <a:off x="3867110" y="4604265"/>
+            <a:ext cx="1559513" cy="982534"/>
+          </a:xfrm>
+          <a:prstGeom prst="line">
+            <a:avLst/>
+          </a:prstGeom>
+        </p:spPr>
+        <p:style>
+          <a:lnRef idx="3">
+            <a:schemeClr val="accent1"/>
+          </a:lnRef>
+          <a:fillRef idx="0">
+            <a:schemeClr val="accent1"/>
+          </a:fillRef>
+          <a:effectRef idx="2">
+            <a:schemeClr val="accent1"/>
+          </a:effectRef>
+          <a:fontRef idx="minor">
+            <a:schemeClr val="tx1"/>
+          </a:fontRef>
+        </p:style>
+      </p:cxnSp>
+    </p:spTree>
+    <p:extLst>
+      <p:ext uri="{BB962C8B-B14F-4D97-AF65-F5344CB8AC3E}">
+        <p14:creationId xmlns:p14="http://schemas.microsoft.com/office/powerpoint/2010/main" val="2301551204"/>
+      </p:ext>
+    </p:extLst>
+  </p:cSld>
+  <p:clrMapOvr>
+    <a:masterClrMapping/>
+  </p:clrMapOvr>
+</p:sld>
+</file>
+
 <file path=ppt/slides/slide8.xml><?xml version="1.0" encoding="utf-8"?>
 <p:sld xmlns:a="http://schemas.openxmlformats.org/drawingml/2006/main" xmlns:r="http://schemas.openxmlformats.org/officeDocument/2006/relationships" xmlns:p="http://schemas.openxmlformats.org/presentationml/2006/main">
   <p:cSld>
@@ -6592,93 +6959,634 @@
           <a:chExt cx="0" cy="0"/>
         </a:xfrm>
       </p:grpSpPr>
-      <p:sp>
-        <p:nvSpPr>
-          <p:cNvPr id="2" name="Заголовок 1">
+      <p:grpSp>
+        <p:nvGrpSpPr>
+          <p:cNvPr id="15" name="Группа 14">
             <a:extLst>
               <a:ext uri="{FF2B5EF4-FFF2-40B4-BE49-F238E27FC236}">
-                <a16:creationId xmlns:a16="http://schemas.microsoft.com/office/drawing/2014/main" id="{128DB63B-2EE2-4C3B-A0C8-067E2348EF64}"/>
+                <a16:creationId xmlns:a16="http://schemas.microsoft.com/office/drawing/2014/main" id="{09D4C7D7-7247-4F2E-B789-74D1A6AD2978}"/>
               </a:ext>
             </a:extLst>
           </p:cNvPr>
-          <p:cNvSpPr>
-            <a:spLocks noGrp="1"/>
-          </p:cNvSpPr>
-          <p:nvPr>
-            <p:ph type="title"/>
-          </p:nvPr>
-        </p:nvSpPr>
-        <p:spPr>
-          <a:xfrm>
-            <a:off x="1097280" y="286604"/>
-            <a:ext cx="10058400" cy="1285022"/>
-          </a:xfrm>
-        </p:spPr>
-        <p:txBody>
-          <a:bodyPr/>
-          <a:lstStyle/>
-          <a:p>
-            <a:r>
-              <a:rPr lang="ru-RU" dirty="0">
-                <a:solidFill>
-                  <a:schemeClr val="tx1"/>
-                </a:solidFill>
-              </a:rPr>
-              <a:t>Вывод</a:t>
-            </a:r>
-          </a:p>
-        </p:txBody>
-      </p:sp>
-      <p:sp>
-        <p:nvSpPr>
-          <p:cNvPr id="3" name="Объект 2">
+          <p:cNvGrpSpPr/>
+          <p:nvPr/>
+        </p:nvGrpSpPr>
+        <p:grpSpPr>
+          <a:xfrm>
+            <a:off x="281376" y="670116"/>
+            <a:ext cx="2111918" cy="4895414"/>
+            <a:chOff x="231787" y="1048992"/>
+            <a:chExt cx="2111918" cy="4895414"/>
+          </a:xfrm>
+        </p:grpSpPr>
+        <p:pic>
+          <p:nvPicPr>
+            <p:cNvPr id="7" name="Рисунок 6">
+              <a:extLst>
+                <a:ext uri="{FF2B5EF4-FFF2-40B4-BE49-F238E27FC236}">
+                  <a16:creationId xmlns:a16="http://schemas.microsoft.com/office/drawing/2014/main" id="{6C423C59-7821-4B2A-AAEC-0E9360746D3C}"/>
+                </a:ext>
+              </a:extLst>
+            </p:cNvPr>
+            <p:cNvPicPr>
+              <a:picLocks noChangeAspect="1"/>
+            </p:cNvPicPr>
+            <p:nvPr/>
+          </p:nvPicPr>
+          <p:blipFill rotWithShape="1">
+            <a:blip r:embed="rId2"/>
+            <a:srcRect r="58615"/>
+            <a:stretch/>
+          </p:blipFill>
+          <p:spPr>
+            <a:xfrm>
+              <a:off x="231787" y="1477752"/>
+              <a:ext cx="2111918" cy="4466654"/>
+            </a:xfrm>
+            <a:prstGeom prst="rect">
+              <a:avLst/>
+            </a:prstGeom>
+          </p:spPr>
+        </p:pic>
+        <p:sp>
+          <p:nvSpPr>
+            <p:cNvPr id="8" name="TextBox 7">
+              <a:extLst>
+                <a:ext uri="{FF2B5EF4-FFF2-40B4-BE49-F238E27FC236}">
+                  <a16:creationId xmlns:a16="http://schemas.microsoft.com/office/drawing/2014/main" id="{D4B41D98-BFDC-41A8-B1D5-A040B5D50C86}"/>
+                </a:ext>
+              </a:extLst>
+            </p:cNvPr>
+            <p:cNvSpPr txBox="1"/>
+            <p:nvPr/>
+          </p:nvSpPr>
+          <p:spPr>
+            <a:xfrm>
+              <a:off x="453985" y="1048992"/>
+              <a:ext cx="1667521" cy="338554"/>
+            </a:xfrm>
+            <a:prstGeom prst="rect">
+              <a:avLst/>
+            </a:prstGeom>
+            <a:noFill/>
+          </p:spPr>
+          <p:txBody>
+            <a:bodyPr wrap="square" rtlCol="0">
+              <a:spAutoFit/>
+            </a:bodyPr>
+            <a:lstStyle/>
+            <a:p>
+              <a:r>
+                <a:rPr lang="ru-RU" sz="1600" dirty="0">
+                  <a:latin typeface="+mj-lt"/>
+                </a:rPr>
+                <a:t>Базовый шаблон</a:t>
+              </a:r>
+            </a:p>
+          </p:txBody>
+        </p:sp>
+      </p:grpSp>
+      <p:grpSp>
+        <p:nvGrpSpPr>
+          <p:cNvPr id="16" name="Группа 15">
             <a:extLst>
               <a:ext uri="{FF2B5EF4-FFF2-40B4-BE49-F238E27FC236}">
-                <a16:creationId xmlns:a16="http://schemas.microsoft.com/office/drawing/2014/main" id="{CCCA20B8-E6E6-4DE5-B909-D74DFC15F477}"/>
+                <a16:creationId xmlns:a16="http://schemas.microsoft.com/office/drawing/2014/main" id="{620D2CF2-E582-4BCA-83D8-9A3521B6B79C}"/>
               </a:ext>
             </a:extLst>
           </p:cNvPr>
-          <p:cNvSpPr>
-            <a:spLocks noGrp="1"/>
-          </p:cNvSpPr>
-          <p:nvPr>
-            <p:ph idx="1"/>
-          </p:nvPr>
-        </p:nvSpPr>
-        <p:spPr/>
-        <p:txBody>
-          <a:bodyPr>
-            <a:normAutofit/>
-          </a:bodyPr>
-          <a:lstStyle/>
-          <a:p>
-            <a:r>
-              <a:rPr lang="ru-RU" sz="3600" dirty="0">
+          <p:cNvGrpSpPr/>
+          <p:nvPr/>
+        </p:nvGrpSpPr>
+        <p:grpSpPr>
+          <a:xfrm>
+            <a:off x="2967341" y="534720"/>
+            <a:ext cx="2011241" cy="5030810"/>
+            <a:chOff x="3309292" y="934215"/>
+            <a:chExt cx="2011241" cy="5030810"/>
+          </a:xfrm>
+        </p:grpSpPr>
+        <p:pic>
+          <p:nvPicPr>
+            <p:cNvPr id="9" name="Рисунок 8">
+              <a:extLst>
+                <a:ext uri="{FF2B5EF4-FFF2-40B4-BE49-F238E27FC236}">
+                  <a16:creationId xmlns:a16="http://schemas.microsoft.com/office/drawing/2014/main" id="{FE4550FC-1B79-4FEE-AD7F-2D4918FE1E11}"/>
+                </a:ext>
+              </a:extLst>
+            </p:cNvPr>
+            <p:cNvPicPr>
+              <a:picLocks noChangeAspect="1"/>
+            </p:cNvPicPr>
+            <p:nvPr/>
+          </p:nvPicPr>
+          <p:blipFill rotWithShape="1">
+            <a:blip r:embed="rId3"/>
+            <a:srcRect r="52876"/>
+            <a:stretch/>
+          </p:blipFill>
+          <p:spPr>
+            <a:xfrm>
+              <a:off x="3309292" y="1498371"/>
+              <a:ext cx="2011241" cy="4466654"/>
+            </a:xfrm>
+            <a:prstGeom prst="rect">
+              <a:avLst/>
+            </a:prstGeom>
+          </p:spPr>
+        </p:pic>
+        <p:sp>
+          <p:nvSpPr>
+            <p:cNvPr id="10" name="TextBox 9">
+              <a:extLst>
+                <a:ext uri="{FF2B5EF4-FFF2-40B4-BE49-F238E27FC236}">
+                  <a16:creationId xmlns:a16="http://schemas.microsoft.com/office/drawing/2014/main" id="{BB48BE62-74E5-49FA-9BDA-D351F0FCEFDD}"/>
+                </a:ext>
+              </a:extLst>
+            </p:cNvPr>
+            <p:cNvSpPr txBox="1"/>
+            <p:nvPr/>
+          </p:nvSpPr>
+          <p:spPr>
+            <a:xfrm>
+              <a:off x="3481151" y="934215"/>
+              <a:ext cx="1667521" cy="584775"/>
+            </a:xfrm>
+            <a:prstGeom prst="rect">
+              <a:avLst/>
+            </a:prstGeom>
+            <a:noFill/>
+          </p:spPr>
+          <p:txBody>
+            <a:bodyPr wrap="square" rtlCol="0">
+              <a:spAutoFit/>
+            </a:bodyPr>
+            <a:lstStyle/>
+            <a:p>
+              <a:pPr algn="ctr"/>
+              <a:r>
+                <a:rPr lang="ru-RU" sz="1600" dirty="0">
+                  <a:latin typeface="+mj-lt"/>
+                </a:rPr>
+                <a:t>Расширяющий шаблон</a:t>
+              </a:r>
+            </a:p>
+          </p:txBody>
+        </p:sp>
+      </p:grpSp>
+      <p:grpSp>
+        <p:nvGrpSpPr>
+          <p:cNvPr id="17" name="Группа 16">
+            <a:extLst>
+              <a:ext uri="{FF2B5EF4-FFF2-40B4-BE49-F238E27FC236}">
+                <a16:creationId xmlns:a16="http://schemas.microsoft.com/office/drawing/2014/main" id="{2BF89E4D-DD87-4986-8484-1D47D14793CC}"/>
+              </a:ext>
+            </a:extLst>
+          </p:cNvPr>
+          <p:cNvGrpSpPr/>
+          <p:nvPr/>
+        </p:nvGrpSpPr>
+        <p:grpSpPr>
+          <a:xfrm>
+            <a:off x="5551101" y="514101"/>
+            <a:ext cx="2419218" cy="5051429"/>
+            <a:chOff x="5462325" y="913596"/>
+            <a:chExt cx="2419218" cy="5051429"/>
+          </a:xfrm>
+        </p:grpSpPr>
+        <p:pic>
+          <p:nvPicPr>
+            <p:cNvPr id="11" name="Рисунок 10">
+              <a:extLst>
+                <a:ext uri="{FF2B5EF4-FFF2-40B4-BE49-F238E27FC236}">
+                  <a16:creationId xmlns:a16="http://schemas.microsoft.com/office/drawing/2014/main" id="{12EBD727-D45D-4A74-BD3E-DF18CE8474DB}"/>
+                </a:ext>
+              </a:extLst>
+            </p:cNvPr>
+            <p:cNvPicPr>
+              <a:picLocks noChangeAspect="1"/>
+            </p:cNvPicPr>
+            <p:nvPr/>
+          </p:nvPicPr>
+          <p:blipFill rotWithShape="1">
+            <a:blip r:embed="rId4"/>
+            <a:srcRect l="-745" r="40824"/>
+            <a:stretch/>
+          </p:blipFill>
+          <p:spPr>
+            <a:xfrm>
+              <a:off x="5462325" y="1498371"/>
+              <a:ext cx="2419218" cy="4466654"/>
+            </a:xfrm>
+            <a:prstGeom prst="rect">
+              <a:avLst/>
+            </a:prstGeom>
+          </p:spPr>
+        </p:pic>
+        <p:sp>
+          <p:nvSpPr>
+            <p:cNvPr id="12" name="TextBox 11">
+              <a:extLst>
+                <a:ext uri="{FF2B5EF4-FFF2-40B4-BE49-F238E27FC236}">
+                  <a16:creationId xmlns:a16="http://schemas.microsoft.com/office/drawing/2014/main" id="{A3944917-7EC1-4735-8ACC-D0191A449289}"/>
+                </a:ext>
+              </a:extLst>
+            </p:cNvPr>
+            <p:cNvSpPr txBox="1"/>
+            <p:nvPr/>
+          </p:nvSpPr>
+          <p:spPr>
+            <a:xfrm>
+              <a:off x="5579353" y="913596"/>
+              <a:ext cx="2185162" cy="584775"/>
+            </a:xfrm>
+            <a:prstGeom prst="rect">
+              <a:avLst/>
+            </a:prstGeom>
+            <a:noFill/>
+          </p:spPr>
+          <p:txBody>
+            <a:bodyPr wrap="square" rtlCol="0">
+              <a:spAutoFit/>
+            </a:bodyPr>
+            <a:lstStyle/>
+            <a:p>
+              <a:pPr algn="ctr"/>
+              <a:r>
+                <a:rPr lang="ru-RU" sz="1600" dirty="0">
+                  <a:latin typeface="+mj-lt"/>
+                </a:rPr>
+                <a:t>Код работы функций, классов</a:t>
+              </a:r>
+            </a:p>
+          </p:txBody>
+        </p:sp>
+      </p:grpSp>
+      <p:grpSp>
+        <p:nvGrpSpPr>
+          <p:cNvPr id="18" name="Группа 17">
+            <a:extLst>
+              <a:ext uri="{FF2B5EF4-FFF2-40B4-BE49-F238E27FC236}">
+                <a16:creationId xmlns:a16="http://schemas.microsoft.com/office/drawing/2014/main" id="{11F60F45-D142-4A8D-AA3F-F5C51EB0D22C}"/>
+              </a:ext>
+            </a:extLst>
+          </p:cNvPr>
+          <p:cNvGrpSpPr/>
+          <p:nvPr/>
+        </p:nvGrpSpPr>
+        <p:grpSpPr>
+          <a:xfrm>
+            <a:off x="8831727" y="649497"/>
+            <a:ext cx="3020068" cy="4916033"/>
+            <a:chOff x="8430647" y="1048992"/>
+            <a:chExt cx="3020068" cy="4916033"/>
+          </a:xfrm>
+        </p:grpSpPr>
+        <p:pic>
+          <p:nvPicPr>
+            <p:cNvPr id="13" name="Рисунок 12">
+              <a:extLst>
+                <a:ext uri="{FF2B5EF4-FFF2-40B4-BE49-F238E27FC236}">
+                  <a16:creationId xmlns:a16="http://schemas.microsoft.com/office/drawing/2014/main" id="{D675C292-ED9E-4BAD-9872-468A0166522F}"/>
+                </a:ext>
+              </a:extLst>
+            </p:cNvPr>
+            <p:cNvPicPr>
+              <a:picLocks noChangeAspect="1"/>
+            </p:cNvPicPr>
+            <p:nvPr/>
+          </p:nvPicPr>
+          <p:blipFill>
+            <a:blip r:embed="rId5"/>
+            <a:stretch>
+              <a:fillRect/>
+            </a:stretch>
+          </p:blipFill>
+          <p:spPr>
+            <a:xfrm>
+              <a:off x="8430647" y="1498370"/>
+              <a:ext cx="3020068" cy="4466655"/>
+            </a:xfrm>
+            <a:prstGeom prst="rect">
+              <a:avLst/>
+            </a:prstGeom>
+          </p:spPr>
+          <p:style>
+            <a:lnRef idx="0">
+              <a:schemeClr val="accent6"/>
+            </a:lnRef>
+            <a:fillRef idx="3">
+              <a:schemeClr val="accent6"/>
+            </a:fillRef>
+            <a:effectRef idx="3">
+              <a:schemeClr val="accent6"/>
+            </a:effectRef>
+            <a:fontRef idx="minor">
+              <a:schemeClr val="lt1"/>
+            </a:fontRef>
+          </p:style>
+        </p:pic>
+        <p:sp>
+          <p:nvSpPr>
+            <p:cNvPr id="14" name="TextBox 13">
+              <a:extLst>
+                <a:ext uri="{FF2B5EF4-FFF2-40B4-BE49-F238E27FC236}">
+                  <a16:creationId xmlns:a16="http://schemas.microsoft.com/office/drawing/2014/main" id="{18F147EA-5071-43B8-80A6-75E3A3032556}"/>
+                </a:ext>
+              </a:extLst>
+            </p:cNvPr>
+            <p:cNvSpPr txBox="1"/>
+            <p:nvPr/>
+          </p:nvSpPr>
+          <p:spPr>
+            <a:xfrm>
+              <a:off x="9106920" y="1048992"/>
+              <a:ext cx="1667521" cy="338554"/>
+            </a:xfrm>
+            <a:prstGeom prst="rect">
+              <a:avLst/>
+            </a:prstGeom>
+          </p:spPr>
+          <p:style>
+            <a:lnRef idx="0">
+              <a:schemeClr val="accent6"/>
+            </a:lnRef>
+            <a:fillRef idx="3">
+              <a:schemeClr val="accent6"/>
+            </a:fillRef>
+            <a:effectRef idx="3">
+              <a:schemeClr val="accent6"/>
+            </a:effectRef>
+            <a:fontRef idx="minor">
+              <a:schemeClr val="lt1"/>
+            </a:fontRef>
+          </p:style>
+          <p:txBody>
+            <a:bodyPr wrap="square" rtlCol="0">
+              <a:spAutoFit/>
+            </a:bodyPr>
+            <a:lstStyle/>
+            <a:p>
+              <a:pPr algn="ctr"/>
+              <a:r>
+                <a:rPr lang="ru-RU" sz="1600" dirty="0">
+                  <a:latin typeface="+mj-lt"/>
+                </a:rPr>
+                <a:t>Магия</a:t>
+              </a:r>
+            </a:p>
+          </p:txBody>
+        </p:sp>
+      </p:grpSp>
+      <p:sp>
+        <p:nvSpPr>
+          <p:cNvPr id="20" name="Знак ''плюс'' 19">
+            <a:extLst>
+              <a:ext uri="{FF2B5EF4-FFF2-40B4-BE49-F238E27FC236}">
+                <a16:creationId xmlns:a16="http://schemas.microsoft.com/office/drawing/2014/main" id="{80BF7B22-DEA5-4FFB-9CA3-D76F7C3C507B}"/>
+              </a:ext>
+            </a:extLst>
+          </p:cNvPr>
+          <p:cNvSpPr/>
+          <p:nvPr/>
+        </p:nvSpPr>
+        <p:spPr>
+          <a:xfrm>
+            <a:off x="5018134" y="2802311"/>
+            <a:ext cx="532967" cy="532967"/>
+          </a:xfrm>
+          <a:prstGeom prst="mathPlus">
+            <a:avLst/>
+          </a:prstGeom>
+        </p:spPr>
+        <p:style>
+          <a:lnRef idx="1">
+            <a:schemeClr val="accent4"/>
+          </a:lnRef>
+          <a:fillRef idx="3">
+            <a:schemeClr val="accent4"/>
+          </a:fillRef>
+          <a:effectRef idx="2">
+            <a:schemeClr val="accent4"/>
+          </a:effectRef>
+          <a:fontRef idx="minor">
+            <a:schemeClr val="lt1"/>
+          </a:fontRef>
+        </p:style>
+        <p:txBody>
+          <a:bodyPr rtlCol="0" anchor="ctr"/>
+          <a:lstStyle/>
+          <a:p>
+            <a:pPr algn="ctr"/>
+            <a:endParaRPr lang="ru-RU" b="1">
+              <a:ln w="22225">
                 <a:solidFill>
-                  <a:schemeClr val="tx1"/>
+                  <a:schemeClr val="accent2"/>
                 </a:solidFill>
-                <a:latin typeface="+mj-lt"/>
-              </a:rPr>
-              <a:t>Создан сайт для поиска быстрой работы.</a:t>
-            </a:r>
-          </a:p>
-          <a:p>
-            <a:r>
-              <a:rPr lang="ru-RU" sz="3600" dirty="0">
+                <a:prstDash val="solid"/>
+              </a:ln>
+              <a:solidFill>
+                <a:schemeClr val="accent2">
+                  <a:lumMod val="40000"/>
+                  <a:lumOff val="60000"/>
+                </a:schemeClr>
+              </a:solidFill>
+            </a:endParaRPr>
+          </a:p>
+        </p:txBody>
+      </p:sp>
+      <p:sp>
+        <p:nvSpPr>
+          <p:cNvPr id="21" name="Равно 20">
+            <a:extLst>
+              <a:ext uri="{FF2B5EF4-FFF2-40B4-BE49-F238E27FC236}">
+                <a16:creationId xmlns:a16="http://schemas.microsoft.com/office/drawing/2014/main" id="{31D727A9-C606-46A5-B46E-B3055A4A6111}"/>
+              </a:ext>
+            </a:extLst>
+          </p:cNvPr>
+          <p:cNvSpPr/>
+          <p:nvPr/>
+        </p:nvSpPr>
+        <p:spPr>
+          <a:xfrm>
+            <a:off x="8134539" y="2802311"/>
+            <a:ext cx="532967" cy="532967"/>
+          </a:xfrm>
+          <a:prstGeom prst="mathEqual">
+            <a:avLst/>
+          </a:prstGeom>
+        </p:spPr>
+        <p:style>
+          <a:lnRef idx="1">
+            <a:schemeClr val="accent2"/>
+          </a:lnRef>
+          <a:fillRef idx="3">
+            <a:schemeClr val="accent2"/>
+          </a:fillRef>
+          <a:effectRef idx="2">
+            <a:schemeClr val="accent2"/>
+          </a:effectRef>
+          <a:fontRef idx="minor">
+            <a:schemeClr val="lt1"/>
+          </a:fontRef>
+        </p:style>
+        <p:txBody>
+          <a:bodyPr rtlCol="0" anchor="ctr"/>
+          <a:lstStyle/>
+          <a:p>
+            <a:pPr algn="ctr"/>
+            <a:endParaRPr lang="ru-RU">
+              <a:solidFill>
+                <a:schemeClr val="tx1"/>
+              </a:solidFill>
+            </a:endParaRPr>
+          </a:p>
+        </p:txBody>
+      </p:sp>
+      <p:cxnSp>
+        <p:nvCxnSpPr>
+          <p:cNvPr id="4" name="Прямая со стрелкой 3">
+            <a:extLst>
+              <a:ext uri="{FF2B5EF4-FFF2-40B4-BE49-F238E27FC236}">
+                <a16:creationId xmlns:a16="http://schemas.microsoft.com/office/drawing/2014/main" id="{A9C5B3C2-84EC-4C4B-A3A0-8E11145F6F1B}"/>
+              </a:ext>
+            </a:extLst>
+          </p:cNvPr>
+          <p:cNvCxnSpPr>
+            <a:cxnSpLocks/>
+            <a:stCxn id="10" idx="1"/>
+          </p:cNvCxnSpPr>
+          <p:nvPr/>
+        </p:nvCxnSpPr>
+        <p:spPr>
+          <a:xfrm flipH="1">
+            <a:off x="2308194" y="827108"/>
+            <a:ext cx="831006" cy="4224286"/>
+          </a:xfrm>
+          <a:prstGeom prst="straightConnector1">
+            <a:avLst/>
+          </a:prstGeom>
+          <a:ln>
+            <a:tailEnd type="triangle"/>
+          </a:ln>
+        </p:spPr>
+        <p:style>
+          <a:lnRef idx="3">
+            <a:schemeClr val="accent2"/>
+          </a:lnRef>
+          <a:fillRef idx="0">
+            <a:schemeClr val="accent2"/>
+          </a:fillRef>
+          <a:effectRef idx="2">
+            <a:schemeClr val="accent2"/>
+          </a:effectRef>
+          <a:fontRef idx="minor">
+            <a:schemeClr val="tx1"/>
+          </a:fontRef>
+        </p:style>
+      </p:cxnSp>
+      <p:sp>
+        <p:nvSpPr>
+          <p:cNvPr id="19" name="Знак ''плюс'' 18">
+            <a:extLst>
+              <a:ext uri="{FF2B5EF4-FFF2-40B4-BE49-F238E27FC236}">
+                <a16:creationId xmlns:a16="http://schemas.microsoft.com/office/drawing/2014/main" id="{6047FF94-6564-4BC1-97DA-FF5DF9EADDD4}"/>
+              </a:ext>
+            </a:extLst>
+          </p:cNvPr>
+          <p:cNvSpPr/>
+          <p:nvPr/>
+        </p:nvSpPr>
+        <p:spPr>
+          <a:xfrm>
+            <a:off x="2424012" y="2802311"/>
+            <a:ext cx="532967" cy="532967"/>
+          </a:xfrm>
+          <a:prstGeom prst="mathPlus">
+            <a:avLst/>
+          </a:prstGeom>
+        </p:spPr>
+        <p:style>
+          <a:lnRef idx="1">
+            <a:schemeClr val="accent4"/>
+          </a:lnRef>
+          <a:fillRef idx="3">
+            <a:schemeClr val="accent4"/>
+          </a:fillRef>
+          <a:effectRef idx="2">
+            <a:schemeClr val="accent4"/>
+          </a:effectRef>
+          <a:fontRef idx="minor">
+            <a:schemeClr val="lt1"/>
+          </a:fontRef>
+        </p:style>
+        <p:txBody>
+          <a:bodyPr rtlCol="0" anchor="ctr"/>
+          <a:lstStyle/>
+          <a:p>
+            <a:pPr algn="ctr"/>
+            <a:endParaRPr lang="ru-RU" b="1">
+              <a:ln w="22225">
                 <a:solidFill>
-                  <a:schemeClr val="tx1"/>
+                  <a:schemeClr val="accent2"/>
                 </a:solidFill>
-                <a:latin typeface="+mj-lt"/>
-              </a:rPr>
-              <a:t>В качестве доработки можно добавить больше возможностей.</a:t>
-            </a:r>
-          </a:p>
-        </p:txBody>
-      </p:sp>
+                <a:prstDash val="solid"/>
+              </a:ln>
+              <a:solidFill>
+                <a:schemeClr val="accent2">
+                  <a:lumMod val="40000"/>
+                  <a:lumOff val="60000"/>
+                </a:schemeClr>
+              </a:solidFill>
+            </a:endParaRPr>
+          </a:p>
+        </p:txBody>
+      </p:sp>
+      <p:cxnSp>
+        <p:nvCxnSpPr>
+          <p:cNvPr id="22" name="Прямая со стрелкой 21">
+            <a:extLst>
+              <a:ext uri="{FF2B5EF4-FFF2-40B4-BE49-F238E27FC236}">
+                <a16:creationId xmlns:a16="http://schemas.microsoft.com/office/drawing/2014/main" id="{9794978B-ECD5-4886-96BF-8A7C8F0660E1}"/>
+              </a:ext>
+            </a:extLst>
+          </p:cNvPr>
+          <p:cNvCxnSpPr>
+            <a:endCxn id="10" idx="3"/>
+          </p:cNvCxnSpPr>
+          <p:nvPr/>
+        </p:nvCxnSpPr>
+        <p:spPr>
+          <a:xfrm flipH="1" flipV="1">
+            <a:off x="4806721" y="827108"/>
+            <a:ext cx="2162249" cy="4570515"/>
+          </a:xfrm>
+          <a:prstGeom prst="straightConnector1">
+            <a:avLst/>
+          </a:prstGeom>
+          <a:ln>
+            <a:tailEnd type="triangle"/>
+          </a:ln>
+        </p:spPr>
+        <p:style>
+          <a:lnRef idx="3">
+            <a:schemeClr val="accent2"/>
+          </a:lnRef>
+          <a:fillRef idx="0">
+            <a:schemeClr val="accent2"/>
+          </a:fillRef>
+          <a:effectRef idx="2">
+            <a:schemeClr val="accent2"/>
+          </a:effectRef>
+          <a:fontRef idx="minor">
+            <a:schemeClr val="tx1"/>
+          </a:fontRef>
+        </p:style>
+      </p:cxnSp>
     </p:spTree>
     <p:extLst>
       <p:ext uri="{BB962C8B-B14F-4D97-AF65-F5344CB8AC3E}">
-        <p14:creationId xmlns:p14="http://schemas.microsoft.com/office/powerpoint/2010/main" val="3313668895"/>
+        <p14:creationId xmlns:p14="http://schemas.microsoft.com/office/powerpoint/2010/main" val="2880434655"/>
       </p:ext>
     </p:extLst>
   </p:cSld>
@@ -6705,12 +7613,41 @@
           <a:chExt cx="0" cy="0"/>
         </a:xfrm>
       </p:grpSpPr>
+      <p:pic>
+        <p:nvPicPr>
+          <p:cNvPr id="7" name="Рисунок 6">
+            <a:extLst>
+              <a:ext uri="{FF2B5EF4-FFF2-40B4-BE49-F238E27FC236}">
+                <a16:creationId xmlns:a16="http://schemas.microsoft.com/office/drawing/2014/main" id="{F19697A3-EF8B-4784-AE10-19754C0F176D}"/>
+              </a:ext>
+            </a:extLst>
+          </p:cNvPr>
+          <p:cNvPicPr>
+            <a:picLocks noChangeAspect="1"/>
+          </p:cNvPicPr>
+          <p:nvPr/>
+        </p:nvPicPr>
+        <p:blipFill rotWithShape="1">
+          <a:blip r:embed="rId2"/>
+          <a:srcRect b="2614"/>
+          <a:stretch/>
+        </p:blipFill>
+        <p:spPr>
+          <a:xfrm>
+            <a:off x="6936873" y="2507023"/>
+            <a:ext cx="4876454" cy="3706017"/>
+          </a:xfrm>
+          <a:prstGeom prst="rect">
+            <a:avLst/>
+          </a:prstGeom>
+        </p:spPr>
+      </p:pic>
       <p:sp>
         <p:nvSpPr>
           <p:cNvPr id="2" name="Заголовок 1">
             <a:extLst>
               <a:ext uri="{FF2B5EF4-FFF2-40B4-BE49-F238E27FC236}">
-                <a16:creationId xmlns:a16="http://schemas.microsoft.com/office/drawing/2014/main" id="{F7CEEFC0-E4DD-4A71-8BB5-EB84214AD545}"/>
+                <a16:creationId xmlns:a16="http://schemas.microsoft.com/office/drawing/2014/main" id="{8171B2B6-A9F2-40B7-B062-D8F08209F32A}"/>
               </a:ext>
             </a:extLst>
           </p:cNvPr>
@@ -6718,31 +7655,214 @@
             <a:spLocks noGrp="1"/>
           </p:cNvSpPr>
           <p:nvPr>
-            <p:ph type="title"/>
+            <p:ph type="title" idx="4294967295"/>
           </p:nvPr>
         </p:nvSpPr>
         <p:spPr>
           <a:xfrm>
-            <a:off x="1066800" y="1757779"/>
-            <a:ext cx="10058400" cy="1305017"/>
-          </a:xfrm>
-        </p:spPr>
-        <p:txBody>
-          <a:bodyPr/>
-          <a:lstStyle/>
-          <a:p>
-            <a:pPr algn="ctr"/>
-            <a:r>
-              <a:rPr lang="ru-RU" dirty="0"/>
-              <a:t>Спасибо за внимание!</a:t>
-            </a:r>
-          </a:p>
-        </p:txBody>
-      </p:sp>
+            <a:off x="603683" y="154173"/>
+            <a:ext cx="10847032" cy="520530"/>
+          </a:xfrm>
+        </p:spPr>
+        <p:txBody>
+          <a:bodyPr>
+            <a:normAutofit/>
+          </a:bodyPr>
+          <a:lstStyle/>
+          <a:p>
+            <a:r>
+              <a:rPr lang="ru-RU" sz="3200" dirty="0"/>
+              <a:t>Картинки</a:t>
+            </a:r>
+          </a:p>
+        </p:txBody>
+      </p:sp>
+      <p:pic>
+        <p:nvPicPr>
+          <p:cNvPr id="3" name="Рисунок 2">
+            <a:extLst>
+              <a:ext uri="{FF2B5EF4-FFF2-40B4-BE49-F238E27FC236}">
+                <a16:creationId xmlns:a16="http://schemas.microsoft.com/office/drawing/2014/main" id="{7C3B2DFE-A884-41B4-94E8-6A0AFA118288}"/>
+              </a:ext>
+            </a:extLst>
+          </p:cNvPr>
+          <p:cNvPicPr>
+            <a:picLocks noChangeAspect="1"/>
+          </p:cNvPicPr>
+          <p:nvPr/>
+        </p:nvPicPr>
+        <p:blipFill>
+          <a:blip r:embed="rId3"/>
+          <a:stretch>
+            <a:fillRect/>
+          </a:stretch>
+        </p:blipFill>
+        <p:spPr>
+          <a:xfrm>
+            <a:off x="570806" y="1069524"/>
+            <a:ext cx="10912786" cy="876376"/>
+          </a:xfrm>
+          <a:prstGeom prst="rect">
+            <a:avLst/>
+          </a:prstGeom>
+        </p:spPr>
+      </p:pic>
+      <p:pic>
+        <p:nvPicPr>
+          <p:cNvPr id="4" name="Рисунок 3">
+            <a:extLst>
+              <a:ext uri="{FF2B5EF4-FFF2-40B4-BE49-F238E27FC236}">
+                <a16:creationId xmlns:a16="http://schemas.microsoft.com/office/drawing/2014/main" id="{67CEF49E-57AA-4DF8-9400-7B918930878D}"/>
+              </a:ext>
+            </a:extLst>
+          </p:cNvPr>
+          <p:cNvPicPr>
+            <a:picLocks noChangeAspect="1"/>
+          </p:cNvPicPr>
+          <p:nvPr/>
+        </p:nvPicPr>
+        <p:blipFill>
+          <a:blip r:embed="rId4"/>
+          <a:stretch>
+            <a:fillRect/>
+          </a:stretch>
+        </p:blipFill>
+        <p:spPr>
+          <a:xfrm>
+            <a:off x="0" y="5631229"/>
+            <a:ext cx="12192000" cy="1073336"/>
+          </a:xfrm>
+          <a:prstGeom prst="rect">
+            <a:avLst/>
+          </a:prstGeom>
+        </p:spPr>
+      </p:pic>
+      <p:sp>
+        <p:nvSpPr>
+          <p:cNvPr id="5" name="TextBox 4">
+            <a:extLst>
+              <a:ext uri="{FF2B5EF4-FFF2-40B4-BE49-F238E27FC236}">
+                <a16:creationId xmlns:a16="http://schemas.microsoft.com/office/drawing/2014/main" id="{D5D9E8D2-6CE9-4C48-9E1B-8D815950001E}"/>
+              </a:ext>
+            </a:extLst>
+          </p:cNvPr>
+          <p:cNvSpPr txBox="1"/>
+          <p:nvPr/>
+        </p:nvSpPr>
+        <p:spPr>
+          <a:xfrm>
+            <a:off x="94587" y="5269398"/>
+            <a:ext cx="4953740" cy="338554"/>
+          </a:xfrm>
+          <a:prstGeom prst="rect">
+            <a:avLst/>
+          </a:prstGeom>
+          <a:noFill/>
+        </p:spPr>
+        <p:txBody>
+          <a:bodyPr wrap="square" rtlCol="0">
+            <a:spAutoFit/>
+          </a:bodyPr>
+          <a:lstStyle/>
+          <a:p>
+            <a:r>
+              <a:rPr lang="ru-RU" sz="1600" dirty="0">
+                <a:latin typeface="+mj-lt"/>
+              </a:rPr>
+              <a:t>Таблица </a:t>
+            </a:r>
+            <a:r>
+              <a:rPr lang="en-US" sz="1600" dirty="0">
+                <a:latin typeface="+mj-lt"/>
+              </a:rPr>
+              <a:t>Jobs</a:t>
+            </a:r>
+            <a:endParaRPr lang="ru-RU" sz="1600" dirty="0">
+              <a:latin typeface="+mj-lt"/>
+            </a:endParaRPr>
+          </a:p>
+        </p:txBody>
+      </p:sp>
+      <p:sp>
+        <p:nvSpPr>
+          <p:cNvPr id="6" name="TextBox 5">
+            <a:extLst>
+              <a:ext uri="{FF2B5EF4-FFF2-40B4-BE49-F238E27FC236}">
+                <a16:creationId xmlns:a16="http://schemas.microsoft.com/office/drawing/2014/main" id="{EE0200ED-AB60-46B4-879E-2004E0050CA1}"/>
+              </a:ext>
+            </a:extLst>
+          </p:cNvPr>
+          <p:cNvSpPr txBox="1"/>
+          <p:nvPr/>
+        </p:nvSpPr>
+        <p:spPr>
+          <a:xfrm>
+            <a:off x="603683" y="735049"/>
+            <a:ext cx="4953740" cy="338554"/>
+          </a:xfrm>
+          <a:prstGeom prst="rect">
+            <a:avLst/>
+          </a:prstGeom>
+          <a:noFill/>
+        </p:spPr>
+        <p:txBody>
+          <a:bodyPr wrap="square" rtlCol="0">
+            <a:spAutoFit/>
+          </a:bodyPr>
+          <a:lstStyle/>
+          <a:p>
+            <a:r>
+              <a:rPr lang="ru-RU" sz="1600" dirty="0">
+                <a:latin typeface="+mj-lt"/>
+              </a:rPr>
+              <a:t>Таблица </a:t>
+            </a:r>
+            <a:r>
+              <a:rPr lang="en-US" sz="1600" dirty="0">
+                <a:latin typeface="+mj-lt"/>
+              </a:rPr>
+              <a:t>Users</a:t>
+            </a:r>
+            <a:endParaRPr lang="ru-RU" sz="1600" dirty="0">
+              <a:latin typeface="+mj-lt"/>
+            </a:endParaRPr>
+          </a:p>
+        </p:txBody>
+      </p:sp>
+      <p:pic>
+        <p:nvPicPr>
+          <p:cNvPr id="8" name="Рисунок 7">
+            <a:extLst>
+              <a:ext uri="{FF2B5EF4-FFF2-40B4-BE49-F238E27FC236}">
+                <a16:creationId xmlns:a16="http://schemas.microsoft.com/office/drawing/2014/main" id="{425BF577-BB8F-47BF-91A6-802E94DBD377}"/>
+              </a:ext>
+            </a:extLst>
+          </p:cNvPr>
+          <p:cNvPicPr>
+            <a:picLocks noChangeAspect="1"/>
+          </p:cNvPicPr>
+          <p:nvPr/>
+        </p:nvPicPr>
+        <p:blipFill>
+          <a:blip r:embed="rId5"/>
+          <a:stretch>
+            <a:fillRect/>
+          </a:stretch>
+        </p:blipFill>
+        <p:spPr>
+          <a:xfrm>
+            <a:off x="316013" y="2066831"/>
+            <a:ext cx="5711186" cy="2199098"/>
+          </a:xfrm>
+          <a:prstGeom prst="rect">
+            <a:avLst/>
+          </a:prstGeom>
+        </p:spPr>
+      </p:pic>
     </p:spTree>
     <p:extLst>
       <p:ext uri="{BB962C8B-B14F-4D97-AF65-F5344CB8AC3E}">
-        <p14:creationId xmlns:p14="http://schemas.microsoft.com/office/powerpoint/2010/main" val="2172618066"/>
+        <p14:creationId xmlns:p14="http://schemas.microsoft.com/office/powerpoint/2010/main" val="3837789066"/>
       </p:ext>
     </p:extLst>
   </p:cSld>
